--- a/ppt/Java引入.pptx
+++ b/ppt/Java引入.pptx
@@ -5,21 +5,23 @@
     <p:sldMasterId id="2147483648" r:id="rId1"/>
   </p:sldMasterIdLst>
   <p:sldIdLst>
-    <p:sldId id="256" r:id="rId3"/>
-    <p:sldId id="257" r:id="rId4"/>
-    <p:sldId id="258" r:id="rId5"/>
-    <p:sldId id="259" r:id="rId6"/>
-    <p:sldId id="260" r:id="rId7"/>
-    <p:sldId id="261" r:id="rId8"/>
-    <p:sldId id="262" r:id="rId9"/>
-    <p:sldId id="263" r:id="rId10"/>
-    <p:sldId id="265" r:id="rId11"/>
-    <p:sldId id="266" r:id="rId12"/>
+    <p:sldId id="256" r:id="rId2"/>
+    <p:sldId id="257" r:id="rId3"/>
+    <p:sldId id="258" r:id="rId4"/>
+    <p:sldId id="259" r:id="rId5"/>
+    <p:sldId id="260" r:id="rId6"/>
+    <p:sldId id="261" r:id="rId7"/>
+    <p:sldId id="262" r:id="rId8"/>
+    <p:sldId id="263" r:id="rId9"/>
+    <p:sldId id="265" r:id="rId10"/>
+    <p:sldId id="266" r:id="rId11"/>
+    <p:sldId id="267" r:id="rId12"/>
+    <p:sldId id="268" r:id="rId13"/>
   </p:sldIdLst>
   <p:sldSz cx="12192000" cy="6858000"/>
   <p:notesSz cx="6858000" cy="9144000"/>
   <p:custDataLst>
-    <p:tags r:id="rId16"/>
+    <p:tags r:id="rId14"/>
   </p:custDataLst>
   <p:defaultTextStyle>
     <a:defPPr>
@@ -116,6 +118,11 @@
       </a:defRPr>
     </a:lvl9pPr>
   </p:defaultTextStyle>
+  <p:extLst>
+    <p:ext uri="{EFAFB233-063F-42B5-8137-9DF3F51BA10A}">
+      <p15:sldGuideLst xmlns:p15="http://schemas.microsoft.com/office/powerpoint/2012/main"/>
+    </p:ext>
+  </p:extLst>
 </p:presentation>
 </file>
 
@@ -161,10 +168,9 @@
           </a:lstStyle>
           <a:p>
             <a:r>
-              <a:rPr lang="zh-CN" altLang="en-US" smtClean="0"/>
+              <a:rPr lang="zh-CN" altLang="en-US"/>
               <a:t>单击此处编辑母版标题样式</a:t>
             </a:r>
-            <a:endParaRPr lang="zh-CN" altLang="en-US"/>
           </a:p>
         </p:txBody>
       </p:sp>
@@ -226,10 +232,9 @@
           </a:lstStyle>
           <a:p>
             <a:r>
-              <a:rPr lang="zh-CN" altLang="en-US" smtClean="0"/>
+              <a:rPr lang="zh-CN" altLang="en-US"/>
               <a:t>单击此处编辑母版副标题样式</a:t>
             </a:r>
-            <a:endParaRPr lang="zh-CN" altLang="en-US"/>
           </a:p>
         </p:txBody>
       </p:sp>
@@ -250,6 +255,7 @@
           <a:p>
             <a:fld id="{D997B5FA-0921-464F-AAE1-844C04324D75}" type="datetimeFigureOut">
               <a:rPr lang="zh-CN" altLang="en-US" smtClean="0"/>
+              <a:t>2024/4/27</a:t>
             </a:fld>
             <a:endParaRPr lang="zh-CN" altLang="en-US"/>
           </a:p>
@@ -291,6 +297,7 @@
           <a:p>
             <a:fld id="{565CE74E-AB26-4998-AD42-012C4C1AD076}" type="slidenum">
               <a:rPr lang="zh-CN" altLang="en-US" smtClean="0"/>
+              <a:t>‹#›</a:t>
             </a:fld>
             <a:endParaRPr lang="zh-CN" altLang="en-US"/>
           </a:p>
@@ -337,10 +344,9 @@
           <a:lstStyle/>
           <a:p>
             <a:r>
-              <a:rPr lang="zh-CN" altLang="en-US" smtClean="0"/>
+              <a:rPr lang="zh-CN" altLang="en-US"/>
               <a:t>单击此处编辑母版标题样式</a:t>
             </a:r>
-            <a:endParaRPr lang="zh-CN" altLang="en-US"/>
           </a:p>
         </p:txBody>
       </p:sp>
@@ -361,42 +367,37 @@
           <a:p>
             <a:pPr lvl="0"/>
             <a:r>
-              <a:rPr lang="zh-CN" altLang="en-US" smtClean="0"/>
+              <a:rPr lang="zh-CN" altLang="en-US"/>
               <a:t>单击此处编辑母版文本样式</a:t>
             </a:r>
-            <a:endParaRPr lang="zh-CN" altLang="en-US" smtClean="0"/>
           </a:p>
           <a:p>
             <a:pPr lvl="1"/>
             <a:r>
-              <a:rPr lang="zh-CN" altLang="en-US" smtClean="0"/>
+              <a:rPr lang="zh-CN" altLang="en-US"/>
               <a:t>第二级</a:t>
             </a:r>
-            <a:endParaRPr lang="zh-CN" altLang="en-US" smtClean="0"/>
           </a:p>
           <a:p>
             <a:pPr lvl="2"/>
             <a:r>
-              <a:rPr lang="zh-CN" altLang="en-US" smtClean="0"/>
+              <a:rPr lang="zh-CN" altLang="en-US"/>
               <a:t>第三级</a:t>
             </a:r>
-            <a:endParaRPr lang="zh-CN" altLang="en-US" smtClean="0"/>
           </a:p>
           <a:p>
             <a:pPr lvl="3"/>
             <a:r>
-              <a:rPr lang="zh-CN" altLang="en-US" smtClean="0"/>
+              <a:rPr lang="zh-CN" altLang="en-US"/>
               <a:t>第四级</a:t>
             </a:r>
-            <a:endParaRPr lang="zh-CN" altLang="en-US" smtClean="0"/>
           </a:p>
           <a:p>
             <a:pPr lvl="4"/>
             <a:r>
-              <a:rPr lang="zh-CN" altLang="en-US" smtClean="0"/>
+              <a:rPr lang="zh-CN" altLang="en-US"/>
               <a:t>第五级</a:t>
             </a:r>
-            <a:endParaRPr lang="zh-CN" altLang="en-US"/>
           </a:p>
         </p:txBody>
       </p:sp>
@@ -417,6 +418,7 @@
           <a:p>
             <a:fld id="{D997B5FA-0921-464F-AAE1-844C04324D75}" type="datetimeFigureOut">
               <a:rPr lang="zh-CN" altLang="en-US" smtClean="0"/>
+              <a:t>2024/4/27</a:t>
             </a:fld>
             <a:endParaRPr lang="zh-CN" altLang="en-US"/>
           </a:p>
@@ -458,6 +460,7 @@
           <a:p>
             <a:fld id="{565CE74E-AB26-4998-AD42-012C4C1AD076}" type="slidenum">
               <a:rPr lang="zh-CN" altLang="en-US" smtClean="0"/>
+              <a:t>‹#›</a:t>
             </a:fld>
             <a:endParaRPr lang="zh-CN" altLang="en-US"/>
           </a:p>
@@ -509,10 +512,9 @@
           <a:lstStyle/>
           <a:p>
             <a:r>
-              <a:rPr lang="zh-CN" altLang="en-US" smtClean="0"/>
+              <a:rPr lang="zh-CN" altLang="en-US"/>
               <a:t>单击此处编辑母版标题样式</a:t>
             </a:r>
-            <a:endParaRPr lang="zh-CN" altLang="en-US"/>
           </a:p>
         </p:txBody>
       </p:sp>
@@ -538,42 +540,37 @@
           <a:p>
             <a:pPr lvl="0"/>
             <a:r>
-              <a:rPr lang="zh-CN" altLang="en-US" smtClean="0"/>
+              <a:rPr lang="zh-CN" altLang="en-US"/>
               <a:t>单击此处编辑母版文本样式</a:t>
             </a:r>
-            <a:endParaRPr lang="zh-CN" altLang="en-US" smtClean="0"/>
           </a:p>
           <a:p>
             <a:pPr lvl="1"/>
             <a:r>
-              <a:rPr lang="zh-CN" altLang="en-US" smtClean="0"/>
+              <a:rPr lang="zh-CN" altLang="en-US"/>
               <a:t>第二级</a:t>
             </a:r>
-            <a:endParaRPr lang="zh-CN" altLang="en-US" smtClean="0"/>
           </a:p>
           <a:p>
             <a:pPr lvl="2"/>
             <a:r>
-              <a:rPr lang="zh-CN" altLang="en-US" smtClean="0"/>
+              <a:rPr lang="zh-CN" altLang="en-US"/>
               <a:t>第三级</a:t>
             </a:r>
-            <a:endParaRPr lang="zh-CN" altLang="en-US" smtClean="0"/>
           </a:p>
           <a:p>
             <a:pPr lvl="3"/>
             <a:r>
-              <a:rPr lang="zh-CN" altLang="en-US" smtClean="0"/>
+              <a:rPr lang="zh-CN" altLang="en-US"/>
               <a:t>第四级</a:t>
             </a:r>
-            <a:endParaRPr lang="zh-CN" altLang="en-US" smtClean="0"/>
           </a:p>
           <a:p>
             <a:pPr lvl="4"/>
             <a:r>
-              <a:rPr lang="zh-CN" altLang="en-US" smtClean="0"/>
+              <a:rPr lang="zh-CN" altLang="en-US"/>
               <a:t>第五级</a:t>
             </a:r>
-            <a:endParaRPr lang="zh-CN" altLang="en-US"/>
           </a:p>
         </p:txBody>
       </p:sp>
@@ -594,6 +591,7 @@
           <a:p>
             <a:fld id="{D997B5FA-0921-464F-AAE1-844C04324D75}" type="datetimeFigureOut">
               <a:rPr lang="zh-CN" altLang="en-US" smtClean="0"/>
+              <a:t>2024/4/27</a:t>
             </a:fld>
             <a:endParaRPr lang="zh-CN" altLang="en-US"/>
           </a:p>
@@ -635,6 +633,7 @@
           <a:p>
             <a:fld id="{565CE74E-AB26-4998-AD42-012C4C1AD076}" type="slidenum">
               <a:rPr lang="zh-CN" altLang="en-US" smtClean="0"/>
+              <a:t>‹#›</a:t>
             </a:fld>
             <a:endParaRPr lang="zh-CN" altLang="en-US"/>
           </a:p>
@@ -681,10 +680,9 @@
           <a:lstStyle/>
           <a:p>
             <a:r>
-              <a:rPr lang="zh-CN" altLang="en-US" smtClean="0"/>
+              <a:rPr lang="zh-CN" altLang="en-US"/>
               <a:t>单击此处编辑母版标题样式</a:t>
             </a:r>
-            <a:endParaRPr lang="zh-CN" altLang="en-US"/>
           </a:p>
         </p:txBody>
       </p:sp>
@@ -705,42 +703,37 @@
           <a:p>
             <a:pPr lvl="0"/>
             <a:r>
-              <a:rPr lang="zh-CN" altLang="en-US" smtClean="0"/>
+              <a:rPr lang="zh-CN" altLang="en-US"/>
               <a:t>单击此处编辑母版文本样式</a:t>
             </a:r>
-            <a:endParaRPr lang="zh-CN" altLang="en-US" smtClean="0"/>
           </a:p>
           <a:p>
             <a:pPr lvl="1"/>
             <a:r>
-              <a:rPr lang="zh-CN" altLang="en-US" smtClean="0"/>
+              <a:rPr lang="zh-CN" altLang="en-US"/>
               <a:t>第二级</a:t>
             </a:r>
-            <a:endParaRPr lang="zh-CN" altLang="en-US" smtClean="0"/>
           </a:p>
           <a:p>
             <a:pPr lvl="2"/>
             <a:r>
-              <a:rPr lang="zh-CN" altLang="en-US" smtClean="0"/>
+              <a:rPr lang="zh-CN" altLang="en-US"/>
               <a:t>第三级</a:t>
             </a:r>
-            <a:endParaRPr lang="zh-CN" altLang="en-US" smtClean="0"/>
           </a:p>
           <a:p>
             <a:pPr lvl="3"/>
             <a:r>
-              <a:rPr lang="zh-CN" altLang="en-US" smtClean="0"/>
+              <a:rPr lang="zh-CN" altLang="en-US"/>
               <a:t>第四级</a:t>
             </a:r>
-            <a:endParaRPr lang="zh-CN" altLang="en-US" smtClean="0"/>
           </a:p>
           <a:p>
             <a:pPr lvl="4"/>
             <a:r>
-              <a:rPr lang="zh-CN" altLang="en-US" smtClean="0"/>
+              <a:rPr lang="zh-CN" altLang="en-US"/>
               <a:t>第五级</a:t>
             </a:r>
-            <a:endParaRPr lang="zh-CN" altLang="en-US"/>
           </a:p>
         </p:txBody>
       </p:sp>
@@ -761,6 +754,7 @@
           <a:p>
             <a:fld id="{D997B5FA-0921-464F-AAE1-844C04324D75}" type="datetimeFigureOut">
               <a:rPr lang="zh-CN" altLang="en-US" smtClean="0"/>
+              <a:t>2024/4/27</a:t>
             </a:fld>
             <a:endParaRPr lang="zh-CN" altLang="en-US"/>
           </a:p>
@@ -802,6 +796,7 @@
           <a:p>
             <a:fld id="{565CE74E-AB26-4998-AD42-012C4C1AD076}" type="slidenum">
               <a:rPr lang="zh-CN" altLang="en-US" smtClean="0"/>
+              <a:t>‹#›</a:t>
             </a:fld>
             <a:endParaRPr lang="zh-CN" altLang="en-US"/>
           </a:p>
@@ -857,10 +852,9 @@
           </a:lstStyle>
           <a:p>
             <a:r>
-              <a:rPr lang="zh-CN" altLang="en-US" smtClean="0"/>
+              <a:rPr lang="zh-CN" altLang="en-US"/>
               <a:t>单击此处编辑母版标题样式</a:t>
             </a:r>
-            <a:endParaRPr lang="zh-CN" altLang="en-US"/>
           </a:p>
         </p:txBody>
       </p:sp>
@@ -977,10 +971,9 @@
           <a:p>
             <a:pPr lvl="0"/>
             <a:r>
-              <a:rPr lang="zh-CN" altLang="en-US" smtClean="0"/>
+              <a:rPr lang="zh-CN" altLang="en-US"/>
               <a:t>单击此处编辑母版文本样式</a:t>
             </a:r>
-            <a:endParaRPr lang="zh-CN" altLang="en-US" smtClean="0"/>
           </a:p>
         </p:txBody>
       </p:sp>
@@ -1001,6 +994,7 @@
           <a:p>
             <a:fld id="{D997B5FA-0921-464F-AAE1-844C04324D75}" type="datetimeFigureOut">
               <a:rPr lang="zh-CN" altLang="en-US" smtClean="0"/>
+              <a:t>2024/4/27</a:t>
             </a:fld>
             <a:endParaRPr lang="zh-CN" altLang="en-US"/>
           </a:p>
@@ -1042,6 +1036,7 @@
           <a:p>
             <a:fld id="{565CE74E-AB26-4998-AD42-012C4C1AD076}" type="slidenum">
               <a:rPr lang="zh-CN" altLang="en-US" smtClean="0"/>
+              <a:t>‹#›</a:t>
             </a:fld>
             <a:endParaRPr lang="zh-CN" altLang="en-US"/>
           </a:p>
@@ -1088,10 +1083,9 @@
           <a:lstStyle/>
           <a:p>
             <a:r>
-              <a:rPr lang="zh-CN" altLang="en-US" smtClean="0"/>
+              <a:rPr lang="zh-CN" altLang="en-US"/>
               <a:t>单击此处编辑母版标题样式</a:t>
             </a:r>
-            <a:endParaRPr lang="zh-CN" altLang="en-US"/>
           </a:p>
         </p:txBody>
       </p:sp>
@@ -1117,42 +1111,37 @@
           <a:p>
             <a:pPr lvl="0"/>
             <a:r>
-              <a:rPr lang="zh-CN" altLang="en-US" smtClean="0"/>
+              <a:rPr lang="zh-CN" altLang="en-US"/>
               <a:t>单击此处编辑母版文本样式</a:t>
             </a:r>
-            <a:endParaRPr lang="zh-CN" altLang="en-US" smtClean="0"/>
           </a:p>
           <a:p>
             <a:pPr lvl="1"/>
             <a:r>
-              <a:rPr lang="zh-CN" altLang="en-US" smtClean="0"/>
+              <a:rPr lang="zh-CN" altLang="en-US"/>
               <a:t>第二级</a:t>
             </a:r>
-            <a:endParaRPr lang="zh-CN" altLang="en-US" smtClean="0"/>
           </a:p>
           <a:p>
             <a:pPr lvl="2"/>
             <a:r>
-              <a:rPr lang="zh-CN" altLang="en-US" smtClean="0"/>
+              <a:rPr lang="zh-CN" altLang="en-US"/>
               <a:t>第三级</a:t>
             </a:r>
-            <a:endParaRPr lang="zh-CN" altLang="en-US" smtClean="0"/>
           </a:p>
           <a:p>
             <a:pPr lvl="3"/>
             <a:r>
-              <a:rPr lang="zh-CN" altLang="en-US" smtClean="0"/>
+              <a:rPr lang="zh-CN" altLang="en-US"/>
               <a:t>第四级</a:t>
             </a:r>
-            <a:endParaRPr lang="zh-CN" altLang="en-US" smtClean="0"/>
           </a:p>
           <a:p>
             <a:pPr lvl="4"/>
             <a:r>
-              <a:rPr lang="zh-CN" altLang="en-US" smtClean="0"/>
+              <a:rPr lang="zh-CN" altLang="en-US"/>
               <a:t>第五级</a:t>
             </a:r>
-            <a:endParaRPr lang="zh-CN" altLang="en-US"/>
           </a:p>
         </p:txBody>
       </p:sp>
@@ -1178,42 +1167,37 @@
           <a:p>
             <a:pPr lvl="0"/>
             <a:r>
-              <a:rPr lang="zh-CN" altLang="en-US" smtClean="0"/>
+              <a:rPr lang="zh-CN" altLang="en-US"/>
               <a:t>单击此处编辑母版文本样式</a:t>
             </a:r>
-            <a:endParaRPr lang="zh-CN" altLang="en-US" smtClean="0"/>
           </a:p>
           <a:p>
             <a:pPr lvl="1"/>
             <a:r>
-              <a:rPr lang="zh-CN" altLang="en-US" smtClean="0"/>
+              <a:rPr lang="zh-CN" altLang="en-US"/>
               <a:t>第二级</a:t>
             </a:r>
-            <a:endParaRPr lang="zh-CN" altLang="en-US" smtClean="0"/>
           </a:p>
           <a:p>
             <a:pPr lvl="2"/>
             <a:r>
-              <a:rPr lang="zh-CN" altLang="en-US" smtClean="0"/>
+              <a:rPr lang="zh-CN" altLang="en-US"/>
               <a:t>第三级</a:t>
             </a:r>
-            <a:endParaRPr lang="zh-CN" altLang="en-US" smtClean="0"/>
           </a:p>
           <a:p>
             <a:pPr lvl="3"/>
             <a:r>
-              <a:rPr lang="zh-CN" altLang="en-US" smtClean="0"/>
+              <a:rPr lang="zh-CN" altLang="en-US"/>
               <a:t>第四级</a:t>
             </a:r>
-            <a:endParaRPr lang="zh-CN" altLang="en-US" smtClean="0"/>
           </a:p>
           <a:p>
             <a:pPr lvl="4"/>
             <a:r>
-              <a:rPr lang="zh-CN" altLang="en-US" smtClean="0"/>
+              <a:rPr lang="zh-CN" altLang="en-US"/>
               <a:t>第五级</a:t>
             </a:r>
-            <a:endParaRPr lang="zh-CN" altLang="en-US"/>
           </a:p>
         </p:txBody>
       </p:sp>
@@ -1234,6 +1218,7 @@
           <a:p>
             <a:fld id="{D997B5FA-0921-464F-AAE1-844C04324D75}" type="datetimeFigureOut">
               <a:rPr lang="zh-CN" altLang="en-US" smtClean="0"/>
+              <a:t>2024/4/27</a:t>
             </a:fld>
             <a:endParaRPr lang="zh-CN" altLang="en-US"/>
           </a:p>
@@ -1275,6 +1260,7 @@
           <a:p>
             <a:fld id="{565CE74E-AB26-4998-AD42-012C4C1AD076}" type="slidenum">
               <a:rPr lang="zh-CN" altLang="en-US" smtClean="0"/>
+              <a:t>‹#›</a:t>
             </a:fld>
             <a:endParaRPr lang="zh-CN" altLang="en-US"/>
           </a:p>
@@ -1326,10 +1312,9 @@
           <a:lstStyle/>
           <a:p>
             <a:r>
-              <a:rPr lang="zh-CN" altLang="en-US" smtClean="0"/>
+              <a:rPr lang="zh-CN" altLang="en-US"/>
               <a:t>单击此处编辑母版标题样式</a:t>
             </a:r>
-            <a:endParaRPr lang="zh-CN" altLang="en-US"/>
           </a:p>
         </p:txBody>
       </p:sp>
@@ -1392,10 +1377,9 @@
           <a:p>
             <a:pPr lvl="0"/>
             <a:r>
-              <a:rPr lang="zh-CN" altLang="en-US" smtClean="0"/>
+              <a:rPr lang="zh-CN" altLang="en-US"/>
               <a:t>单击此处编辑母版文本样式</a:t>
             </a:r>
-            <a:endParaRPr lang="zh-CN" altLang="en-US" smtClean="0"/>
           </a:p>
         </p:txBody>
       </p:sp>
@@ -1421,42 +1405,37 @@
           <a:p>
             <a:pPr lvl="0"/>
             <a:r>
-              <a:rPr lang="zh-CN" altLang="en-US" smtClean="0"/>
+              <a:rPr lang="zh-CN" altLang="en-US"/>
               <a:t>单击此处编辑母版文本样式</a:t>
             </a:r>
-            <a:endParaRPr lang="zh-CN" altLang="en-US" smtClean="0"/>
           </a:p>
           <a:p>
             <a:pPr lvl="1"/>
             <a:r>
-              <a:rPr lang="zh-CN" altLang="en-US" smtClean="0"/>
+              <a:rPr lang="zh-CN" altLang="en-US"/>
               <a:t>第二级</a:t>
             </a:r>
-            <a:endParaRPr lang="zh-CN" altLang="en-US" smtClean="0"/>
           </a:p>
           <a:p>
             <a:pPr lvl="2"/>
             <a:r>
-              <a:rPr lang="zh-CN" altLang="en-US" smtClean="0"/>
+              <a:rPr lang="zh-CN" altLang="en-US"/>
               <a:t>第三级</a:t>
             </a:r>
-            <a:endParaRPr lang="zh-CN" altLang="en-US" smtClean="0"/>
           </a:p>
           <a:p>
             <a:pPr lvl="3"/>
             <a:r>
-              <a:rPr lang="zh-CN" altLang="en-US" smtClean="0"/>
+              <a:rPr lang="zh-CN" altLang="en-US"/>
               <a:t>第四级</a:t>
             </a:r>
-            <a:endParaRPr lang="zh-CN" altLang="en-US" smtClean="0"/>
           </a:p>
           <a:p>
             <a:pPr lvl="4"/>
             <a:r>
-              <a:rPr lang="zh-CN" altLang="en-US" smtClean="0"/>
+              <a:rPr lang="zh-CN" altLang="en-US"/>
               <a:t>第五级</a:t>
             </a:r>
-            <a:endParaRPr lang="zh-CN" altLang="en-US"/>
           </a:p>
         </p:txBody>
       </p:sp>
@@ -1519,10 +1498,9 @@
           <a:p>
             <a:pPr lvl="0"/>
             <a:r>
-              <a:rPr lang="zh-CN" altLang="en-US" smtClean="0"/>
+              <a:rPr lang="zh-CN" altLang="en-US"/>
               <a:t>单击此处编辑母版文本样式</a:t>
             </a:r>
-            <a:endParaRPr lang="zh-CN" altLang="en-US" smtClean="0"/>
           </a:p>
         </p:txBody>
       </p:sp>
@@ -1548,42 +1526,37 @@
           <a:p>
             <a:pPr lvl="0"/>
             <a:r>
-              <a:rPr lang="zh-CN" altLang="en-US" smtClean="0"/>
+              <a:rPr lang="zh-CN" altLang="en-US"/>
               <a:t>单击此处编辑母版文本样式</a:t>
             </a:r>
-            <a:endParaRPr lang="zh-CN" altLang="en-US" smtClean="0"/>
           </a:p>
           <a:p>
             <a:pPr lvl="1"/>
             <a:r>
-              <a:rPr lang="zh-CN" altLang="en-US" smtClean="0"/>
+              <a:rPr lang="zh-CN" altLang="en-US"/>
               <a:t>第二级</a:t>
             </a:r>
-            <a:endParaRPr lang="zh-CN" altLang="en-US" smtClean="0"/>
           </a:p>
           <a:p>
             <a:pPr lvl="2"/>
             <a:r>
-              <a:rPr lang="zh-CN" altLang="en-US" smtClean="0"/>
+              <a:rPr lang="zh-CN" altLang="en-US"/>
               <a:t>第三级</a:t>
             </a:r>
-            <a:endParaRPr lang="zh-CN" altLang="en-US" smtClean="0"/>
           </a:p>
           <a:p>
             <a:pPr lvl="3"/>
             <a:r>
-              <a:rPr lang="zh-CN" altLang="en-US" smtClean="0"/>
+              <a:rPr lang="zh-CN" altLang="en-US"/>
               <a:t>第四级</a:t>
             </a:r>
-            <a:endParaRPr lang="zh-CN" altLang="en-US" smtClean="0"/>
           </a:p>
           <a:p>
             <a:pPr lvl="4"/>
             <a:r>
-              <a:rPr lang="zh-CN" altLang="en-US" smtClean="0"/>
+              <a:rPr lang="zh-CN" altLang="en-US"/>
               <a:t>第五级</a:t>
             </a:r>
-            <a:endParaRPr lang="zh-CN" altLang="en-US"/>
           </a:p>
         </p:txBody>
       </p:sp>
@@ -1604,6 +1577,7 @@
           <a:p>
             <a:fld id="{D997B5FA-0921-464F-AAE1-844C04324D75}" type="datetimeFigureOut">
               <a:rPr lang="zh-CN" altLang="en-US" smtClean="0"/>
+              <a:t>2024/4/27</a:t>
             </a:fld>
             <a:endParaRPr lang="zh-CN" altLang="en-US"/>
           </a:p>
@@ -1645,6 +1619,7 @@
           <a:p>
             <a:fld id="{565CE74E-AB26-4998-AD42-012C4C1AD076}" type="slidenum">
               <a:rPr lang="zh-CN" altLang="en-US" smtClean="0"/>
+              <a:t>‹#›</a:t>
             </a:fld>
             <a:endParaRPr lang="zh-CN" altLang="en-US"/>
           </a:p>
@@ -1691,10 +1666,9 @@
           <a:lstStyle/>
           <a:p>
             <a:r>
-              <a:rPr lang="zh-CN" altLang="en-US" smtClean="0"/>
+              <a:rPr lang="zh-CN" altLang="en-US"/>
               <a:t>单击此处编辑母版标题样式</a:t>
             </a:r>
-            <a:endParaRPr lang="zh-CN" altLang="en-US"/>
           </a:p>
         </p:txBody>
       </p:sp>
@@ -1715,6 +1689,7 @@
           <a:p>
             <a:fld id="{D997B5FA-0921-464F-AAE1-844C04324D75}" type="datetimeFigureOut">
               <a:rPr lang="zh-CN" altLang="en-US" smtClean="0"/>
+              <a:t>2024/4/27</a:t>
             </a:fld>
             <a:endParaRPr lang="zh-CN" altLang="en-US"/>
           </a:p>
@@ -1756,6 +1731,7 @@
           <a:p>
             <a:fld id="{565CE74E-AB26-4998-AD42-012C4C1AD076}" type="slidenum">
               <a:rPr lang="zh-CN" altLang="en-US" smtClean="0"/>
+              <a:t>‹#›</a:t>
             </a:fld>
             <a:endParaRPr lang="zh-CN" altLang="en-US"/>
           </a:p>
@@ -1803,6 +1779,7 @@
           <a:p>
             <a:fld id="{D997B5FA-0921-464F-AAE1-844C04324D75}" type="datetimeFigureOut">
               <a:rPr lang="zh-CN" altLang="en-US" smtClean="0"/>
+              <a:t>2024/4/27</a:t>
             </a:fld>
             <a:endParaRPr lang="zh-CN" altLang="en-US"/>
           </a:p>
@@ -1844,6 +1821,7 @@
           <a:p>
             <a:fld id="{565CE74E-AB26-4998-AD42-012C4C1AD076}" type="slidenum">
               <a:rPr lang="zh-CN" altLang="en-US" smtClean="0"/>
+              <a:t>‹#›</a:t>
             </a:fld>
             <a:endParaRPr lang="zh-CN" altLang="en-US"/>
           </a:p>
@@ -1899,10 +1877,9 @@
           </a:lstStyle>
           <a:p>
             <a:r>
-              <a:rPr lang="zh-CN" altLang="en-US" smtClean="0"/>
+              <a:rPr lang="zh-CN" altLang="en-US"/>
               <a:t>单击此处编辑母版标题样式</a:t>
             </a:r>
-            <a:endParaRPr lang="zh-CN" altLang="en-US"/>
           </a:p>
         </p:txBody>
       </p:sp>
@@ -1956,42 +1933,37 @@
           <a:p>
             <a:pPr lvl="0"/>
             <a:r>
-              <a:rPr lang="zh-CN" altLang="en-US" smtClean="0"/>
+              <a:rPr lang="zh-CN" altLang="en-US"/>
               <a:t>单击此处编辑母版文本样式</a:t>
             </a:r>
-            <a:endParaRPr lang="zh-CN" altLang="en-US" smtClean="0"/>
           </a:p>
           <a:p>
             <a:pPr lvl="1"/>
             <a:r>
-              <a:rPr lang="zh-CN" altLang="en-US" smtClean="0"/>
+              <a:rPr lang="zh-CN" altLang="en-US"/>
               <a:t>第二级</a:t>
             </a:r>
-            <a:endParaRPr lang="zh-CN" altLang="en-US" smtClean="0"/>
           </a:p>
           <a:p>
             <a:pPr lvl="2"/>
             <a:r>
-              <a:rPr lang="zh-CN" altLang="en-US" smtClean="0"/>
+              <a:rPr lang="zh-CN" altLang="en-US"/>
               <a:t>第三级</a:t>
             </a:r>
-            <a:endParaRPr lang="zh-CN" altLang="en-US" smtClean="0"/>
           </a:p>
           <a:p>
             <a:pPr lvl="3"/>
             <a:r>
-              <a:rPr lang="zh-CN" altLang="en-US" smtClean="0"/>
+              <a:rPr lang="zh-CN" altLang="en-US"/>
               <a:t>第四级</a:t>
             </a:r>
-            <a:endParaRPr lang="zh-CN" altLang="en-US" smtClean="0"/>
           </a:p>
           <a:p>
             <a:pPr lvl="4"/>
             <a:r>
-              <a:rPr lang="zh-CN" altLang="en-US" smtClean="0"/>
+              <a:rPr lang="zh-CN" altLang="en-US"/>
               <a:t>第五级</a:t>
             </a:r>
-            <a:endParaRPr lang="zh-CN" altLang="en-US"/>
           </a:p>
         </p:txBody>
       </p:sp>
@@ -2054,10 +2026,9 @@
           <a:p>
             <a:pPr lvl="0"/>
             <a:r>
-              <a:rPr lang="zh-CN" altLang="en-US" smtClean="0"/>
+              <a:rPr lang="zh-CN" altLang="en-US"/>
               <a:t>单击此处编辑母版文本样式</a:t>
             </a:r>
-            <a:endParaRPr lang="zh-CN" altLang="en-US" smtClean="0"/>
           </a:p>
         </p:txBody>
       </p:sp>
@@ -2078,6 +2049,7 @@
           <a:p>
             <a:fld id="{D997B5FA-0921-464F-AAE1-844C04324D75}" type="datetimeFigureOut">
               <a:rPr lang="zh-CN" altLang="en-US" smtClean="0"/>
+              <a:t>2024/4/27</a:t>
             </a:fld>
             <a:endParaRPr lang="zh-CN" altLang="en-US"/>
           </a:p>
@@ -2119,6 +2091,7 @@
           <a:p>
             <a:fld id="{565CE74E-AB26-4998-AD42-012C4C1AD076}" type="slidenum">
               <a:rPr lang="zh-CN" altLang="en-US" smtClean="0"/>
+              <a:t>‹#›</a:t>
             </a:fld>
             <a:endParaRPr lang="zh-CN" altLang="en-US"/>
           </a:p>
@@ -2174,10 +2147,9 @@
           </a:lstStyle>
           <a:p>
             <a:r>
-              <a:rPr lang="zh-CN" altLang="en-US" smtClean="0"/>
+              <a:rPr lang="zh-CN" altLang="en-US"/>
               <a:t>单击此处编辑母版标题样式</a:t>
             </a:r>
-            <a:endParaRPr lang="zh-CN" altLang="en-US"/>
           </a:p>
         </p:txBody>
       </p:sp>
@@ -2301,10 +2273,9 @@
           <a:p>
             <a:pPr lvl="0"/>
             <a:r>
-              <a:rPr lang="zh-CN" altLang="en-US" smtClean="0"/>
+              <a:rPr lang="zh-CN" altLang="en-US"/>
               <a:t>单击此处编辑母版文本样式</a:t>
             </a:r>
-            <a:endParaRPr lang="zh-CN" altLang="en-US" smtClean="0"/>
           </a:p>
         </p:txBody>
       </p:sp>
@@ -2325,6 +2296,7 @@
           <a:p>
             <a:fld id="{D997B5FA-0921-464F-AAE1-844C04324D75}" type="datetimeFigureOut">
               <a:rPr lang="zh-CN" altLang="en-US" smtClean="0"/>
+              <a:t>2024/4/27</a:t>
             </a:fld>
             <a:endParaRPr lang="zh-CN" altLang="en-US"/>
           </a:p>
@@ -2366,6 +2338,7 @@
           <a:p>
             <a:fld id="{565CE74E-AB26-4998-AD42-012C4C1AD076}" type="slidenum">
               <a:rPr lang="zh-CN" altLang="en-US" smtClean="0"/>
+              <a:t>‹#›</a:t>
             </a:fld>
             <a:endParaRPr lang="zh-CN" altLang="en-US"/>
           </a:p>
@@ -2427,10 +2400,9 @@
           <a:lstStyle/>
           <a:p>
             <a:r>
-              <a:rPr lang="zh-CN" altLang="en-US" smtClean="0"/>
+              <a:rPr lang="zh-CN" altLang="en-US"/>
               <a:t>单击此处编辑母版标题样式</a:t>
             </a:r>
-            <a:endParaRPr lang="zh-CN" altLang="en-US"/>
           </a:p>
         </p:txBody>
       </p:sp>
@@ -2461,42 +2433,37 @@
           <a:p>
             <a:pPr lvl="0"/>
             <a:r>
-              <a:rPr lang="zh-CN" altLang="en-US" smtClean="0"/>
+              <a:rPr lang="zh-CN" altLang="en-US"/>
               <a:t>单击此处编辑母版文本样式</a:t>
             </a:r>
-            <a:endParaRPr lang="zh-CN" altLang="en-US" smtClean="0"/>
           </a:p>
           <a:p>
             <a:pPr lvl="1"/>
             <a:r>
-              <a:rPr lang="zh-CN" altLang="en-US" smtClean="0"/>
+              <a:rPr lang="zh-CN" altLang="en-US"/>
               <a:t>第二级</a:t>
             </a:r>
-            <a:endParaRPr lang="zh-CN" altLang="en-US" smtClean="0"/>
           </a:p>
           <a:p>
             <a:pPr lvl="2"/>
             <a:r>
-              <a:rPr lang="zh-CN" altLang="en-US" smtClean="0"/>
+              <a:rPr lang="zh-CN" altLang="en-US"/>
               <a:t>第三级</a:t>
             </a:r>
-            <a:endParaRPr lang="zh-CN" altLang="en-US" smtClean="0"/>
           </a:p>
           <a:p>
             <a:pPr lvl="3"/>
             <a:r>
-              <a:rPr lang="zh-CN" altLang="en-US" smtClean="0"/>
+              <a:rPr lang="zh-CN" altLang="en-US"/>
               <a:t>第四级</a:t>
             </a:r>
-            <a:endParaRPr lang="zh-CN" altLang="en-US" smtClean="0"/>
           </a:p>
           <a:p>
             <a:pPr lvl="4"/>
             <a:r>
-              <a:rPr lang="zh-CN" altLang="en-US" smtClean="0"/>
+              <a:rPr lang="zh-CN" altLang="en-US"/>
               <a:t>第五级</a:t>
             </a:r>
-            <a:endParaRPr lang="zh-CN" altLang="en-US"/>
           </a:p>
         </p:txBody>
       </p:sp>
@@ -2535,6 +2502,7 @@
           <a:p>
             <a:fld id="{D997B5FA-0921-464F-AAE1-844C04324D75}" type="datetimeFigureOut">
               <a:rPr lang="zh-CN" altLang="en-US" smtClean="0"/>
+              <a:t>2024/4/27</a:t>
             </a:fld>
             <a:endParaRPr lang="zh-CN" altLang="en-US"/>
           </a:p>
@@ -2612,6 +2580,7 @@
           <a:p>
             <a:fld id="{565CE74E-AB26-4998-AD42-012C4C1AD076}" type="slidenum">
               <a:rPr lang="zh-CN" altLang="en-US" smtClean="0"/>
+              <a:t>‹#›</a:t>
             </a:fld>
             <a:endParaRPr lang="zh-CN" altLang="en-US"/>
           </a:p>
@@ -2925,7 +2894,14 @@
         <p:cNvGrpSpPr/>
         <p:nvPr/>
       </p:nvGrpSpPr>
-      <p:grpSpPr/>
+      <p:grpSpPr>
+        <a:xfrm>
+          <a:off x="0" y="0"/>
+          <a:ext cx="0" cy="0"/>
+          <a:chOff x="0" y="0"/>
+          <a:chExt cx="0" cy="0"/>
+        </a:xfrm>
+      </p:grpSpPr>
       <p:pic>
         <p:nvPicPr>
           <p:cNvPr id="100" name="图片 99"/>
@@ -2933,7 +2909,7 @@
           <p:nvPr/>
         </p:nvPicPr>
         <p:blipFill>
-          <a:blip r:embed="rId1"/>
+          <a:blip r:embed="rId2"/>
           <a:stretch>
             <a:fillRect/>
           </a:stretch>
@@ -2957,6 +2933,18 @@
   <p:clrMapOvr>
     <a:masterClrMapping/>
   </p:clrMapOvr>
+  <mc:AlternateContent xmlns:mc="http://schemas.openxmlformats.org/markup-compatibility/2006">
+    <mc:Choice xmlns:p159="http://schemas.microsoft.com/office/powerpoint/2015/09/main" Requires="p159">
+      <p:transition xmlns:p14="http://schemas.microsoft.com/office/powerpoint/2010/main" spd="slow" p14:dur="2000">
+        <p159:morph option="byObject"/>
+      </p:transition>
+    </mc:Choice>
+    <mc:Fallback>
+      <p:transition spd="slow">
+        <p:fade/>
+      </p:transition>
+    </mc:Fallback>
+  </mc:AlternateContent>
 </p:sld>
 </file>
 
@@ -2969,7 +2957,14 @@
         <p:cNvGrpSpPr/>
         <p:nvPr/>
       </p:nvGrpSpPr>
-      <p:grpSpPr/>
+      <p:grpSpPr>
+        <a:xfrm>
+          <a:off x="0" y="0"/>
+          <a:ext cx="0" cy="0"/>
+          <a:chOff x="0" y="0"/>
+          <a:chExt cx="0" cy="0"/>
+        </a:xfrm>
+      </p:grpSpPr>
       <p:sp>
         <p:nvSpPr>
           <p:cNvPr id="4" name="文本框 3"/>
@@ -2990,6 +2985,7 @@
           <a:bodyPr wrap="square" rtlCol="0">
             <a:spAutoFit/>
           </a:bodyPr>
+          <a:lstStyle/>
           <a:p>
             <a:r>
               <a:rPr lang="zh-CN" altLang="en-US" sz="2800">
@@ -3010,22 +3006,6 @@
               </a:rPr>
               <a:t>关键字</a:t>
             </a:r>
-            <a:endParaRPr lang="zh-CN" altLang="en-US" sz="2800">
-              <a:ln w="6600">
-                <a:solidFill>
-                  <a:schemeClr val="accent2"/>
-                </a:solidFill>
-                <a:prstDash val="solid"/>
-              </a:ln>
-              <a:solidFill>
-                <a:srgbClr val="FFFFFF"/>
-              </a:solidFill>
-              <a:effectLst>
-                <a:outerShdw dist="38100" dir="2700000" algn="tl" rotWithShape="0">
-                  <a:schemeClr val="accent2"/>
-                </a:outerShdw>
-              </a:effectLst>
-            </a:endParaRPr>
           </a:p>
         </p:txBody>
       </p:sp>
@@ -3052,10 +3032,11 @@
           <a:bodyPr wrap="none" rtlCol="0" anchor="t">
             <a:spAutoFit/>
           </a:bodyPr>
+          <a:lstStyle/>
           <a:p>
             <a:pPr algn="ctr"/>
             <a:r>
-              <a:rPr lang="en-US" altLang="zh-CN" sz="4000" b="1">
+              <a:rPr lang="en-US" altLang="zh-CN" sz="4000" b="1" dirty="0">
                 <a:solidFill>
                   <a:schemeClr val="accent1"/>
                 </a:solidFill>
@@ -3069,23 +3050,11 @@
               </a:rPr>
               <a:t>public private protected</a:t>
             </a:r>
-            <a:endParaRPr lang="en-US" altLang="zh-CN" sz="4000" b="1">
-              <a:solidFill>
-                <a:schemeClr val="accent1"/>
-              </a:solidFill>
-              <a:effectLst>
-                <a:outerShdw blurRad="38100" dist="25400" dir="5400000" algn="ctr" rotWithShape="0">
-                  <a:srgbClr val="6E747A">
-                    <a:alpha val="43000"/>
-                  </a:srgbClr>
-                </a:outerShdw>
-              </a:effectLst>
-            </a:endParaRPr>
           </a:p>
           <a:p>
             <a:pPr algn="ctr"/>
             <a:r>
-              <a:rPr lang="en-US" altLang="zh-CN" sz="4000" b="1">
+              <a:rPr lang="en-US" altLang="zh-CN" sz="4000" b="1" dirty="0">
                 <a:solidFill>
                   <a:schemeClr val="accent1"/>
                 </a:solidFill>
@@ -3100,7 +3069,7 @@
               <a:t>static </a:t>
             </a:r>
             <a:r>
-              <a:rPr lang="zh-CN" altLang="en-US" sz="4000" b="1">
+              <a:rPr lang="zh-CN" altLang="en-US" sz="4000" b="1" dirty="0">
                 <a:solidFill>
                   <a:schemeClr val="accent1"/>
                 </a:solidFill>
@@ -3114,7 +3083,7 @@
               </a:rPr>
               <a:t>静态的</a:t>
             </a:r>
-            <a:endParaRPr lang="en-US" altLang="zh-CN" sz="4000" b="1">
+            <a:endParaRPr lang="en-US" altLang="zh-CN" sz="4000" b="1" dirty="0">
               <a:solidFill>
                 <a:schemeClr val="accent1"/>
               </a:solidFill>
@@ -3130,7 +3099,7 @@
           <a:p>
             <a:pPr algn="ctr"/>
             <a:r>
-              <a:rPr lang="en-US" altLang="zh-CN" sz="4000" b="1">
+              <a:rPr lang="en-US" altLang="zh-CN" sz="4000" b="1" dirty="0">
                 <a:solidFill>
                   <a:schemeClr val="accent1"/>
                 </a:solidFill>
@@ -3145,7 +3114,7 @@
               <a:t>void </a:t>
             </a:r>
             <a:r>
-              <a:rPr lang="zh-CN" altLang="en-US" sz="4000" b="1">
+              <a:rPr lang="zh-CN" altLang="en-US" sz="4000" b="1" dirty="0">
                 <a:solidFill>
                   <a:schemeClr val="accent1"/>
                 </a:solidFill>
@@ -3159,7 +3128,7 @@
               </a:rPr>
               <a:t>无效的</a:t>
             </a:r>
-            <a:endParaRPr lang="en-US" altLang="zh-CN" sz="4000" b="1">
+            <a:endParaRPr lang="en-US" altLang="zh-CN" sz="4000" b="1" dirty="0">
               <a:solidFill>
                 <a:schemeClr val="accent1"/>
               </a:solidFill>
@@ -3175,7 +3144,7 @@
           <a:p>
             <a:pPr algn="ctr"/>
             <a:r>
-              <a:rPr lang="en-US" altLang="zh-CN" sz="4000" b="1">
+              <a:rPr lang="en-US" altLang="zh-CN" sz="4000" b="1" dirty="0">
                 <a:solidFill>
                   <a:schemeClr val="accent1"/>
                 </a:solidFill>
@@ -3190,7 +3159,7 @@
               <a:t>final </a:t>
             </a:r>
             <a:r>
-              <a:rPr lang="zh-CN" altLang="en-US" sz="4000" b="1">
+              <a:rPr lang="zh-CN" altLang="en-US" sz="4000" b="1" dirty="0">
                 <a:solidFill>
                   <a:schemeClr val="accent1"/>
                 </a:solidFill>
@@ -3204,7 +3173,7 @@
               </a:rPr>
               <a:t>最终的</a:t>
             </a:r>
-            <a:endParaRPr lang="en-US" altLang="zh-CN" sz="4000" b="1">
+            <a:endParaRPr lang="en-US" altLang="zh-CN" sz="4000" b="1" dirty="0">
               <a:solidFill>
                 <a:schemeClr val="accent1"/>
               </a:solidFill>
@@ -3220,7 +3189,7 @@
           <a:p>
             <a:pPr algn="ctr"/>
             <a:r>
-              <a:rPr lang="en-US" altLang="zh-CN" sz="4000" b="1">
+              <a:rPr lang="en-US" altLang="zh-CN" sz="4000" b="1" dirty="0">
                 <a:solidFill>
                   <a:schemeClr val="accent1"/>
                 </a:solidFill>
@@ -3234,7 +3203,165 @@
               </a:rPr>
               <a:t>……</a:t>
             </a:r>
-            <a:endParaRPr lang="en-US" altLang="zh-CN" sz="4000" b="1">
+          </a:p>
+        </p:txBody>
+      </p:sp>
+    </p:spTree>
+  </p:cSld>
+  <p:clrMapOvr>
+    <a:masterClrMapping/>
+  </p:clrMapOvr>
+  <mc:AlternateContent xmlns:mc="http://schemas.openxmlformats.org/markup-compatibility/2006">
+    <mc:Choice xmlns:p159="http://schemas.microsoft.com/office/powerpoint/2015/09/main" Requires="p159">
+      <p:transition xmlns:p14="http://schemas.microsoft.com/office/powerpoint/2010/main" spd="slow" p14:dur="2000">
+        <p159:morph option="byObject"/>
+      </p:transition>
+    </mc:Choice>
+    <mc:Fallback>
+      <p:transition spd="slow">
+        <p:fade/>
+      </p:transition>
+    </mc:Fallback>
+  </mc:AlternateContent>
+</p:sld>
+</file>
+
+<file path=ppt/slides/slide11.xml><?xml version="1.0" encoding="utf-8"?>
+<p:sld xmlns:a="http://schemas.openxmlformats.org/drawingml/2006/main" xmlns:r="http://schemas.openxmlformats.org/officeDocument/2006/relationships" xmlns:p="http://schemas.openxmlformats.org/presentationml/2006/main">
+  <p:cSld>
+    <p:spTree>
+      <p:nvGrpSpPr>
+        <p:cNvPr id="1" name=""/>
+        <p:cNvGrpSpPr/>
+        <p:nvPr/>
+      </p:nvGrpSpPr>
+      <p:grpSpPr>
+        <a:xfrm>
+          <a:off x="0" y="0"/>
+          <a:ext cx="0" cy="0"/>
+          <a:chOff x="0" y="0"/>
+          <a:chExt cx="0" cy="0"/>
+        </a:xfrm>
+      </p:grpSpPr>
+      <p:sp>
+        <p:nvSpPr>
+          <p:cNvPr id="4" name="文本框 3"/>
+          <p:cNvSpPr txBox="1"/>
+          <p:nvPr/>
+        </p:nvSpPr>
+        <p:spPr>
+          <a:xfrm>
+            <a:off x="386715" y="349250"/>
+            <a:ext cx="3877945" cy="521970"/>
+          </a:xfrm>
+          <a:prstGeom prst="rect">
+            <a:avLst/>
+          </a:prstGeom>
+          <a:noFill/>
+        </p:spPr>
+        <p:txBody>
+          <a:bodyPr wrap="square" rtlCol="0">
+            <a:spAutoFit/>
+          </a:bodyPr>
+          <a:lstStyle/>
+          <a:p>
+            <a:r>
+              <a:rPr lang="zh-CN" altLang="en-US" sz="2800">
+                <a:ln w="6600">
+                  <a:solidFill>
+                    <a:schemeClr val="accent2"/>
+                  </a:solidFill>
+                  <a:prstDash val="solid"/>
+                </a:ln>
+                <a:solidFill>
+                  <a:srgbClr val="FFFFFF"/>
+                </a:solidFill>
+                <a:effectLst>
+                  <a:outerShdw dist="38100" dir="2700000" algn="tl" rotWithShape="0">
+                    <a:schemeClr val="accent2"/>
+                  </a:outerShdw>
+                </a:effectLst>
+              </a:rPr>
+              <a:t>关键字</a:t>
+            </a:r>
+          </a:p>
+        </p:txBody>
+      </p:sp>
+      <p:sp>
+        <p:nvSpPr>
+          <p:cNvPr id="5" name="矩形 4"/>
+          <p:cNvSpPr/>
+          <p:nvPr/>
+        </p:nvSpPr>
+        <p:spPr>
+          <a:xfrm>
+            <a:off x="558113" y="1844357"/>
+            <a:ext cx="5228590" cy="3169285"/>
+          </a:xfrm>
+          <a:prstGeom prst="rect">
+            <a:avLst/>
+          </a:prstGeom>
+          <a:noFill/>
+          <a:ln>
+            <a:noFill/>
+          </a:ln>
+        </p:spPr>
+        <p:txBody>
+          <a:bodyPr wrap="none" rtlCol="0" anchor="t">
+            <a:spAutoFit/>
+          </a:bodyPr>
+          <a:lstStyle/>
+          <a:p>
+            <a:pPr algn="ctr"/>
+            <a:r>
+              <a:rPr lang="en-US" altLang="zh-CN" sz="4000" b="1" dirty="0">
+                <a:solidFill>
+                  <a:schemeClr val="accent1"/>
+                </a:solidFill>
+                <a:effectLst>
+                  <a:outerShdw blurRad="38100" dist="25400" dir="5400000" algn="ctr" rotWithShape="0">
+                    <a:srgbClr val="6E747A">
+                      <a:alpha val="43000"/>
+                    </a:srgbClr>
+                  </a:outerShdw>
+                </a:effectLst>
+              </a:rPr>
+              <a:t>public private protected</a:t>
+            </a:r>
+          </a:p>
+          <a:p>
+            <a:pPr algn="ctr"/>
+            <a:r>
+              <a:rPr lang="en-US" altLang="zh-CN" sz="4000" b="1" dirty="0">
+                <a:solidFill>
+                  <a:schemeClr val="accent1"/>
+                </a:solidFill>
+                <a:effectLst>
+                  <a:outerShdw blurRad="38100" dist="25400" dir="5400000" algn="ctr" rotWithShape="0">
+                    <a:srgbClr val="6E747A">
+                      <a:alpha val="43000"/>
+                    </a:srgbClr>
+                  </a:outerShdw>
+                </a:effectLst>
+              </a:rPr>
+              <a:t>static </a:t>
+            </a:r>
+            <a:r>
+              <a:rPr lang="zh-CN" altLang="en-US" sz="4000" b="1" dirty="0">
+                <a:solidFill>
+                  <a:schemeClr val="accent1"/>
+                </a:solidFill>
+                <a:effectLst>
+                  <a:outerShdw blurRad="38100" dist="25400" dir="5400000" algn="ctr" rotWithShape="0">
+                    <a:srgbClr val="6E747A">
+                      <a:alpha val="43000"/>
+                    </a:srgbClr>
+                  </a:outerShdw>
+                </a:effectLst>
+              </a:rPr>
+              <a:t>静态的</a:t>
+            </a:r>
+            <a:endParaRPr lang="en-US" altLang="zh-CN" sz="4000" b="1" dirty="0">
               <a:solidFill>
                 <a:schemeClr val="accent1"/>
               </a:solidFill>
@@ -3247,13 +3374,719 @@
               </a:effectLst>
             </a:endParaRPr>
           </a:p>
+          <a:p>
+            <a:pPr algn="ctr"/>
+            <a:r>
+              <a:rPr lang="en-US" altLang="zh-CN" sz="4000" b="1" dirty="0">
+                <a:solidFill>
+                  <a:schemeClr val="accent1"/>
+                </a:solidFill>
+                <a:effectLst>
+                  <a:outerShdw blurRad="38100" dist="25400" dir="5400000" algn="ctr" rotWithShape="0">
+                    <a:srgbClr val="6E747A">
+                      <a:alpha val="43000"/>
+                    </a:srgbClr>
+                  </a:outerShdw>
+                </a:effectLst>
+              </a:rPr>
+              <a:t>void </a:t>
+            </a:r>
+            <a:r>
+              <a:rPr lang="zh-CN" altLang="en-US" sz="4000" b="1" dirty="0">
+                <a:solidFill>
+                  <a:schemeClr val="accent1"/>
+                </a:solidFill>
+                <a:effectLst>
+                  <a:outerShdw blurRad="38100" dist="25400" dir="5400000" algn="ctr" rotWithShape="0">
+                    <a:srgbClr val="6E747A">
+                      <a:alpha val="43000"/>
+                    </a:srgbClr>
+                  </a:outerShdw>
+                </a:effectLst>
+              </a:rPr>
+              <a:t>无效的</a:t>
+            </a:r>
+            <a:endParaRPr lang="en-US" altLang="zh-CN" sz="4000" b="1" dirty="0">
+              <a:solidFill>
+                <a:schemeClr val="accent1"/>
+              </a:solidFill>
+              <a:effectLst>
+                <a:outerShdw blurRad="38100" dist="25400" dir="5400000" algn="ctr" rotWithShape="0">
+                  <a:srgbClr val="6E747A">
+                    <a:alpha val="43000"/>
+                  </a:srgbClr>
+                </a:outerShdw>
+              </a:effectLst>
+            </a:endParaRPr>
+          </a:p>
+          <a:p>
+            <a:pPr algn="ctr"/>
+            <a:r>
+              <a:rPr lang="en-US" altLang="zh-CN" sz="4000" b="1" dirty="0">
+                <a:solidFill>
+                  <a:schemeClr val="accent1"/>
+                </a:solidFill>
+                <a:effectLst>
+                  <a:outerShdw blurRad="38100" dist="25400" dir="5400000" algn="ctr" rotWithShape="0">
+                    <a:srgbClr val="6E747A">
+                      <a:alpha val="43000"/>
+                    </a:srgbClr>
+                  </a:outerShdw>
+                </a:effectLst>
+              </a:rPr>
+              <a:t>final </a:t>
+            </a:r>
+            <a:r>
+              <a:rPr lang="zh-CN" altLang="en-US" sz="4000" b="1" dirty="0">
+                <a:solidFill>
+                  <a:schemeClr val="accent1"/>
+                </a:solidFill>
+                <a:effectLst>
+                  <a:outerShdw blurRad="38100" dist="25400" dir="5400000" algn="ctr" rotWithShape="0">
+                    <a:srgbClr val="6E747A">
+                      <a:alpha val="43000"/>
+                    </a:srgbClr>
+                  </a:outerShdw>
+                </a:effectLst>
+              </a:rPr>
+              <a:t>最终的</a:t>
+            </a:r>
+            <a:endParaRPr lang="en-US" altLang="zh-CN" sz="4000" b="1" dirty="0">
+              <a:solidFill>
+                <a:schemeClr val="accent1"/>
+              </a:solidFill>
+              <a:effectLst>
+                <a:outerShdw blurRad="38100" dist="25400" dir="5400000" algn="ctr" rotWithShape="0">
+                  <a:srgbClr val="6E747A">
+                    <a:alpha val="43000"/>
+                  </a:srgbClr>
+                </a:outerShdw>
+              </a:effectLst>
+            </a:endParaRPr>
+          </a:p>
+          <a:p>
+            <a:pPr algn="ctr"/>
+            <a:r>
+              <a:rPr lang="en-US" altLang="zh-CN" sz="4000" b="1" dirty="0">
+                <a:solidFill>
+                  <a:schemeClr val="accent1"/>
+                </a:solidFill>
+                <a:effectLst>
+                  <a:outerShdw blurRad="38100" dist="25400" dir="5400000" algn="ctr" rotWithShape="0">
+                    <a:srgbClr val="6E747A">
+                      <a:alpha val="43000"/>
+                    </a:srgbClr>
+                  </a:outerShdw>
+                </a:effectLst>
+              </a:rPr>
+              <a:t>……</a:t>
+            </a:r>
+          </a:p>
+        </p:txBody>
+      </p:sp>
+      <p:sp>
+        <p:nvSpPr>
+          <p:cNvPr id="2" name="矩形 1">
+            <a:extLst>
+              <a:ext uri="{FF2B5EF4-FFF2-40B4-BE49-F238E27FC236}">
+                <a16:creationId xmlns:a16="http://schemas.microsoft.com/office/drawing/2014/main" id="{FB03A949-9080-F5F0-9C95-9650C8BAE089}"/>
+              </a:ext>
+            </a:extLst>
+          </p:cNvPr>
+          <p:cNvSpPr/>
+          <p:nvPr/>
+        </p:nvSpPr>
+        <p:spPr>
+          <a:xfrm>
+            <a:off x="6096000" y="1843543"/>
+            <a:ext cx="5286512" cy="3170099"/>
+          </a:xfrm>
+          <a:prstGeom prst="rect">
+            <a:avLst/>
+          </a:prstGeom>
+          <a:noFill/>
+          <a:ln>
+            <a:noFill/>
+          </a:ln>
+        </p:spPr>
+        <p:txBody>
+          <a:bodyPr wrap="none" rtlCol="0" anchor="t">
+            <a:spAutoFit/>
+          </a:bodyPr>
+          <a:lstStyle/>
+          <a:p>
+            <a:pPr algn="ctr"/>
+            <a:r>
+              <a:rPr lang="en-US" altLang="zh-CN" sz="4000" b="1" dirty="0">
+                <a:solidFill>
+                  <a:schemeClr val="accent1"/>
+                </a:solidFill>
+                <a:effectLst>
+                  <a:outerShdw blurRad="38100" dist="25400" dir="5400000" algn="ctr" rotWithShape="0">
+                    <a:srgbClr val="6E747A">
+                      <a:alpha val="43000"/>
+                    </a:srgbClr>
+                  </a:outerShdw>
+                </a:effectLst>
+              </a:rPr>
+              <a:t>public private protected</a:t>
+            </a:r>
+          </a:p>
+          <a:p>
+            <a:pPr algn="ctr"/>
+            <a:r>
+              <a:rPr lang="en-US" altLang="zh-CN" sz="4000" b="1" dirty="0">
+                <a:solidFill>
+                  <a:schemeClr val="accent1"/>
+                </a:solidFill>
+                <a:effectLst>
+                  <a:outerShdw blurRad="38100" dist="25400" dir="5400000" algn="ctr" rotWithShape="0">
+                    <a:srgbClr val="6E747A">
+                      <a:alpha val="43000"/>
+                    </a:srgbClr>
+                  </a:outerShdw>
+                </a:effectLst>
+              </a:rPr>
+              <a:t>static </a:t>
+            </a:r>
+            <a:r>
+              <a:rPr lang="zh-CN" altLang="en-US" sz="4000" b="1" dirty="0">
+                <a:solidFill>
+                  <a:schemeClr val="accent1"/>
+                </a:solidFill>
+                <a:effectLst>
+                  <a:outerShdw blurRad="38100" dist="25400" dir="5400000" algn="ctr" rotWithShape="0">
+                    <a:srgbClr val="6E747A">
+                      <a:alpha val="43000"/>
+                    </a:srgbClr>
+                  </a:outerShdw>
+                </a:effectLst>
+              </a:rPr>
+              <a:t>类共有的</a:t>
+            </a:r>
+            <a:endParaRPr lang="en-US" altLang="zh-CN" sz="4000" b="1" dirty="0">
+              <a:solidFill>
+                <a:schemeClr val="accent1"/>
+              </a:solidFill>
+              <a:effectLst>
+                <a:outerShdw blurRad="38100" dist="25400" dir="5400000" algn="ctr" rotWithShape="0">
+                  <a:srgbClr val="6E747A">
+                    <a:alpha val="43000"/>
+                  </a:srgbClr>
+                </a:outerShdw>
+              </a:effectLst>
+            </a:endParaRPr>
+          </a:p>
+          <a:p>
+            <a:pPr algn="ctr"/>
+            <a:r>
+              <a:rPr lang="en-US" altLang="zh-CN" sz="4000" b="1" dirty="0">
+                <a:solidFill>
+                  <a:schemeClr val="accent1"/>
+                </a:solidFill>
+                <a:effectLst>
+                  <a:outerShdw blurRad="38100" dist="25400" dir="5400000" algn="ctr" rotWithShape="0">
+                    <a:srgbClr val="6E747A">
+                      <a:alpha val="43000"/>
+                    </a:srgbClr>
+                  </a:outerShdw>
+                </a:effectLst>
+              </a:rPr>
+              <a:t>void </a:t>
+            </a:r>
+            <a:r>
+              <a:rPr lang="zh-CN" altLang="en-US" sz="4000" b="1" dirty="0">
+                <a:solidFill>
+                  <a:schemeClr val="accent1"/>
+                </a:solidFill>
+                <a:effectLst>
+                  <a:outerShdw blurRad="38100" dist="25400" dir="5400000" algn="ctr" rotWithShape="0">
+                    <a:srgbClr val="6E747A">
+                      <a:alpha val="43000"/>
+                    </a:srgbClr>
+                  </a:outerShdw>
+                </a:effectLst>
+              </a:rPr>
+              <a:t>没有返回值的</a:t>
+            </a:r>
+            <a:endParaRPr lang="en-US" altLang="zh-CN" sz="4000" b="1" dirty="0">
+              <a:solidFill>
+                <a:schemeClr val="accent1"/>
+              </a:solidFill>
+              <a:effectLst>
+                <a:outerShdw blurRad="38100" dist="25400" dir="5400000" algn="ctr" rotWithShape="0">
+                  <a:srgbClr val="6E747A">
+                    <a:alpha val="43000"/>
+                  </a:srgbClr>
+                </a:outerShdw>
+              </a:effectLst>
+            </a:endParaRPr>
+          </a:p>
+          <a:p>
+            <a:pPr algn="ctr"/>
+            <a:r>
+              <a:rPr lang="en-US" altLang="zh-CN" sz="4000" b="1" dirty="0">
+                <a:solidFill>
+                  <a:schemeClr val="accent1"/>
+                </a:solidFill>
+                <a:effectLst>
+                  <a:outerShdw blurRad="38100" dist="25400" dir="5400000" algn="ctr" rotWithShape="0">
+                    <a:srgbClr val="6E747A">
+                      <a:alpha val="43000"/>
+                    </a:srgbClr>
+                  </a:outerShdw>
+                </a:effectLst>
+              </a:rPr>
+              <a:t>final </a:t>
+            </a:r>
+            <a:r>
+              <a:rPr lang="zh-CN" altLang="en-US" sz="4000" b="1" dirty="0">
+                <a:solidFill>
+                  <a:schemeClr val="accent1"/>
+                </a:solidFill>
+                <a:effectLst>
+                  <a:outerShdw blurRad="38100" dist="25400" dir="5400000" algn="ctr" rotWithShape="0">
+                    <a:srgbClr val="6E747A">
+                      <a:alpha val="43000"/>
+                    </a:srgbClr>
+                  </a:outerShdw>
+                </a:effectLst>
+              </a:rPr>
+              <a:t>不可更改</a:t>
+            </a:r>
+            <a:r>
+              <a:rPr lang="en-US" altLang="zh-CN" sz="4000" b="1" dirty="0">
+                <a:solidFill>
+                  <a:schemeClr val="accent1"/>
+                </a:solidFill>
+                <a:effectLst>
+                  <a:outerShdw blurRad="38100" dist="25400" dir="5400000" algn="ctr" rotWithShape="0">
+                    <a:srgbClr val="6E747A">
+                      <a:alpha val="43000"/>
+                    </a:srgbClr>
+                  </a:outerShdw>
+                </a:effectLst>
+              </a:rPr>
+              <a:t>/</a:t>
+            </a:r>
+            <a:r>
+              <a:rPr lang="zh-CN" altLang="en-US" sz="4000" b="1" dirty="0">
+                <a:solidFill>
+                  <a:schemeClr val="accent1"/>
+                </a:solidFill>
+                <a:effectLst>
+                  <a:outerShdw blurRad="38100" dist="25400" dir="5400000" algn="ctr" rotWithShape="0">
+                    <a:srgbClr val="6E747A">
+                      <a:alpha val="43000"/>
+                    </a:srgbClr>
+                  </a:outerShdw>
+                </a:effectLst>
+              </a:rPr>
+              <a:t>继承的</a:t>
+            </a:r>
+            <a:endParaRPr lang="en-US" altLang="zh-CN" sz="4000" b="1" dirty="0">
+              <a:solidFill>
+                <a:schemeClr val="accent1"/>
+              </a:solidFill>
+              <a:effectLst>
+                <a:outerShdw blurRad="38100" dist="25400" dir="5400000" algn="ctr" rotWithShape="0">
+                  <a:srgbClr val="6E747A">
+                    <a:alpha val="43000"/>
+                  </a:srgbClr>
+                </a:outerShdw>
+              </a:effectLst>
+            </a:endParaRPr>
+          </a:p>
+          <a:p>
+            <a:pPr algn="ctr"/>
+            <a:r>
+              <a:rPr lang="en-US" altLang="zh-CN" sz="4000" b="1" dirty="0">
+                <a:solidFill>
+                  <a:schemeClr val="accent1"/>
+                </a:solidFill>
+                <a:effectLst>
+                  <a:outerShdw blurRad="38100" dist="25400" dir="5400000" algn="ctr" rotWithShape="0">
+                    <a:srgbClr val="6E747A">
+                      <a:alpha val="43000"/>
+                    </a:srgbClr>
+                  </a:outerShdw>
+                </a:effectLst>
+              </a:rPr>
+              <a:t>……</a:t>
+            </a:r>
+          </a:p>
         </p:txBody>
       </p:sp>
     </p:spTree>
+    <p:extLst>
+      <p:ext uri="{BB962C8B-B14F-4D97-AF65-F5344CB8AC3E}">
+        <p14:creationId xmlns:p14="http://schemas.microsoft.com/office/powerpoint/2010/main" val="4167977410"/>
+      </p:ext>
+    </p:extLst>
   </p:cSld>
   <p:clrMapOvr>
     <a:masterClrMapping/>
   </p:clrMapOvr>
+  <mc:AlternateContent xmlns:mc="http://schemas.openxmlformats.org/markup-compatibility/2006">
+    <mc:Choice xmlns:p159="http://schemas.microsoft.com/office/powerpoint/2015/09/main" Requires="p159">
+      <p:transition xmlns:p14="http://schemas.microsoft.com/office/powerpoint/2010/main" spd="slow" p14:dur="2000">
+        <p159:morph option="byObject"/>
+      </p:transition>
+    </mc:Choice>
+    <mc:Fallback>
+      <p:transition spd="slow">
+        <p:fade/>
+      </p:transition>
+    </mc:Fallback>
+  </mc:AlternateContent>
+</p:sld>
+</file>
+
+<file path=ppt/slides/slide12.xml><?xml version="1.0" encoding="utf-8"?>
+<p:sld xmlns:a="http://schemas.openxmlformats.org/drawingml/2006/main" xmlns:r="http://schemas.openxmlformats.org/officeDocument/2006/relationships" xmlns:p="http://schemas.openxmlformats.org/presentationml/2006/main">
+  <p:cSld>
+    <p:spTree>
+      <p:nvGrpSpPr>
+        <p:cNvPr id="1" name=""/>
+        <p:cNvGrpSpPr/>
+        <p:nvPr/>
+      </p:nvGrpSpPr>
+      <p:grpSpPr>
+        <a:xfrm>
+          <a:off x="0" y="0"/>
+          <a:ext cx="0" cy="0"/>
+          <a:chOff x="0" y="0"/>
+          <a:chExt cx="0" cy="0"/>
+        </a:xfrm>
+      </p:grpSpPr>
+      <p:sp>
+        <p:nvSpPr>
+          <p:cNvPr id="4" name="文本框 3"/>
+          <p:cNvSpPr txBox="1"/>
+          <p:nvPr/>
+        </p:nvSpPr>
+        <p:spPr>
+          <a:xfrm>
+            <a:off x="386715" y="349250"/>
+            <a:ext cx="3877945" cy="521970"/>
+          </a:xfrm>
+          <a:prstGeom prst="rect">
+            <a:avLst/>
+          </a:prstGeom>
+          <a:noFill/>
+        </p:spPr>
+        <p:txBody>
+          <a:bodyPr wrap="square" rtlCol="0">
+            <a:spAutoFit/>
+          </a:bodyPr>
+          <a:lstStyle/>
+          <a:p>
+            <a:r>
+              <a:rPr lang="zh-CN" altLang="en-US" sz="2800">
+                <a:ln w="6600">
+                  <a:solidFill>
+                    <a:schemeClr val="accent2"/>
+                  </a:solidFill>
+                  <a:prstDash val="solid"/>
+                </a:ln>
+                <a:solidFill>
+                  <a:srgbClr val="FFFFFF"/>
+                </a:solidFill>
+                <a:effectLst>
+                  <a:outerShdw dist="38100" dir="2700000" algn="tl" rotWithShape="0">
+                    <a:schemeClr val="accent2"/>
+                  </a:outerShdw>
+                </a:effectLst>
+              </a:rPr>
+              <a:t>关键字</a:t>
+            </a:r>
+          </a:p>
+        </p:txBody>
+      </p:sp>
+      <p:sp>
+        <p:nvSpPr>
+          <p:cNvPr id="2" name="矩形 1">
+            <a:extLst>
+              <a:ext uri="{FF2B5EF4-FFF2-40B4-BE49-F238E27FC236}">
+                <a16:creationId xmlns:a16="http://schemas.microsoft.com/office/drawing/2014/main" id="{FB03A949-9080-F5F0-9C95-9650C8BAE089}"/>
+              </a:ext>
+            </a:extLst>
+          </p:cNvPr>
+          <p:cNvSpPr/>
+          <p:nvPr/>
+        </p:nvSpPr>
+        <p:spPr>
+          <a:xfrm>
+            <a:off x="435429" y="1843950"/>
+            <a:ext cx="5286512" cy="3170099"/>
+          </a:xfrm>
+          <a:prstGeom prst="rect">
+            <a:avLst/>
+          </a:prstGeom>
+          <a:noFill/>
+          <a:ln>
+            <a:noFill/>
+          </a:ln>
+        </p:spPr>
+        <p:txBody>
+          <a:bodyPr wrap="none" rtlCol="0" anchor="t">
+            <a:spAutoFit/>
+          </a:bodyPr>
+          <a:lstStyle/>
+          <a:p>
+            <a:pPr algn="ctr"/>
+            <a:r>
+              <a:rPr lang="en-US" altLang="zh-CN" sz="4000" b="1" dirty="0">
+                <a:solidFill>
+                  <a:schemeClr val="accent1"/>
+                </a:solidFill>
+                <a:effectLst>
+                  <a:outerShdw blurRad="38100" dist="25400" dir="5400000" algn="ctr" rotWithShape="0">
+                    <a:srgbClr val="6E747A">
+                      <a:alpha val="43000"/>
+                    </a:srgbClr>
+                  </a:outerShdw>
+                </a:effectLst>
+              </a:rPr>
+              <a:t>public private protected</a:t>
+            </a:r>
+          </a:p>
+          <a:p>
+            <a:pPr algn="ctr"/>
+            <a:r>
+              <a:rPr lang="en-US" altLang="zh-CN" sz="4000" b="1" dirty="0">
+                <a:solidFill>
+                  <a:schemeClr val="accent1"/>
+                </a:solidFill>
+                <a:effectLst>
+                  <a:outerShdw blurRad="38100" dist="25400" dir="5400000" algn="ctr" rotWithShape="0">
+                    <a:srgbClr val="6E747A">
+                      <a:alpha val="43000"/>
+                    </a:srgbClr>
+                  </a:outerShdw>
+                </a:effectLst>
+              </a:rPr>
+              <a:t>static </a:t>
+            </a:r>
+            <a:r>
+              <a:rPr lang="zh-CN" altLang="en-US" sz="4000" b="1" dirty="0">
+                <a:solidFill>
+                  <a:schemeClr val="accent1"/>
+                </a:solidFill>
+                <a:effectLst>
+                  <a:outerShdw blurRad="38100" dist="25400" dir="5400000" algn="ctr" rotWithShape="0">
+                    <a:srgbClr val="6E747A">
+                      <a:alpha val="43000"/>
+                    </a:srgbClr>
+                  </a:outerShdw>
+                </a:effectLst>
+              </a:rPr>
+              <a:t>类共有的</a:t>
+            </a:r>
+            <a:endParaRPr lang="en-US" altLang="zh-CN" sz="4000" b="1" dirty="0">
+              <a:solidFill>
+                <a:schemeClr val="accent1"/>
+              </a:solidFill>
+              <a:effectLst>
+                <a:outerShdw blurRad="38100" dist="25400" dir="5400000" algn="ctr" rotWithShape="0">
+                  <a:srgbClr val="6E747A">
+                    <a:alpha val="43000"/>
+                  </a:srgbClr>
+                </a:outerShdw>
+              </a:effectLst>
+            </a:endParaRPr>
+          </a:p>
+          <a:p>
+            <a:pPr algn="ctr"/>
+            <a:r>
+              <a:rPr lang="en-US" altLang="zh-CN" sz="4000" b="1" dirty="0">
+                <a:solidFill>
+                  <a:schemeClr val="accent1"/>
+                </a:solidFill>
+                <a:effectLst>
+                  <a:outerShdw blurRad="38100" dist="25400" dir="5400000" algn="ctr" rotWithShape="0">
+                    <a:srgbClr val="6E747A">
+                      <a:alpha val="43000"/>
+                    </a:srgbClr>
+                  </a:outerShdw>
+                </a:effectLst>
+              </a:rPr>
+              <a:t>void </a:t>
+            </a:r>
+            <a:r>
+              <a:rPr lang="zh-CN" altLang="en-US" sz="4000" b="1" dirty="0">
+                <a:solidFill>
+                  <a:schemeClr val="accent1"/>
+                </a:solidFill>
+                <a:effectLst>
+                  <a:outerShdw blurRad="38100" dist="25400" dir="5400000" algn="ctr" rotWithShape="0">
+                    <a:srgbClr val="6E747A">
+                      <a:alpha val="43000"/>
+                    </a:srgbClr>
+                  </a:outerShdw>
+                </a:effectLst>
+              </a:rPr>
+              <a:t>没有返回值的</a:t>
+            </a:r>
+            <a:endParaRPr lang="en-US" altLang="zh-CN" sz="4000" b="1" dirty="0">
+              <a:solidFill>
+                <a:schemeClr val="accent1"/>
+              </a:solidFill>
+              <a:effectLst>
+                <a:outerShdw blurRad="38100" dist="25400" dir="5400000" algn="ctr" rotWithShape="0">
+                  <a:srgbClr val="6E747A">
+                    <a:alpha val="43000"/>
+                  </a:srgbClr>
+                </a:outerShdw>
+              </a:effectLst>
+            </a:endParaRPr>
+          </a:p>
+          <a:p>
+            <a:pPr algn="ctr"/>
+            <a:r>
+              <a:rPr lang="en-US" altLang="zh-CN" sz="4000" b="1" dirty="0">
+                <a:solidFill>
+                  <a:schemeClr val="accent1"/>
+                </a:solidFill>
+                <a:effectLst>
+                  <a:outerShdw blurRad="38100" dist="25400" dir="5400000" algn="ctr" rotWithShape="0">
+                    <a:srgbClr val="6E747A">
+                      <a:alpha val="43000"/>
+                    </a:srgbClr>
+                  </a:outerShdw>
+                </a:effectLst>
+              </a:rPr>
+              <a:t>final </a:t>
+            </a:r>
+            <a:r>
+              <a:rPr lang="zh-CN" altLang="en-US" sz="4000" b="1" dirty="0">
+                <a:solidFill>
+                  <a:schemeClr val="accent1"/>
+                </a:solidFill>
+                <a:effectLst>
+                  <a:outerShdw blurRad="38100" dist="25400" dir="5400000" algn="ctr" rotWithShape="0">
+                    <a:srgbClr val="6E747A">
+                      <a:alpha val="43000"/>
+                    </a:srgbClr>
+                  </a:outerShdw>
+                </a:effectLst>
+              </a:rPr>
+              <a:t>不可更改</a:t>
+            </a:r>
+            <a:r>
+              <a:rPr lang="en-US" altLang="zh-CN" sz="4000" b="1" dirty="0">
+                <a:solidFill>
+                  <a:schemeClr val="accent1"/>
+                </a:solidFill>
+                <a:effectLst>
+                  <a:outerShdw blurRad="38100" dist="25400" dir="5400000" algn="ctr" rotWithShape="0">
+                    <a:srgbClr val="6E747A">
+                      <a:alpha val="43000"/>
+                    </a:srgbClr>
+                  </a:outerShdw>
+                </a:effectLst>
+              </a:rPr>
+              <a:t>/</a:t>
+            </a:r>
+            <a:r>
+              <a:rPr lang="zh-CN" altLang="en-US" sz="4000" b="1" dirty="0">
+                <a:solidFill>
+                  <a:schemeClr val="accent1"/>
+                </a:solidFill>
+                <a:effectLst>
+                  <a:outerShdw blurRad="38100" dist="25400" dir="5400000" algn="ctr" rotWithShape="0">
+                    <a:srgbClr val="6E747A">
+                      <a:alpha val="43000"/>
+                    </a:srgbClr>
+                  </a:outerShdw>
+                </a:effectLst>
+              </a:rPr>
+              <a:t>继承的</a:t>
+            </a:r>
+            <a:endParaRPr lang="en-US" altLang="zh-CN" sz="4000" b="1" dirty="0">
+              <a:solidFill>
+                <a:schemeClr val="accent1"/>
+              </a:solidFill>
+              <a:effectLst>
+                <a:outerShdw blurRad="38100" dist="25400" dir="5400000" algn="ctr" rotWithShape="0">
+                  <a:srgbClr val="6E747A">
+                    <a:alpha val="43000"/>
+                  </a:srgbClr>
+                </a:outerShdw>
+              </a:effectLst>
+            </a:endParaRPr>
+          </a:p>
+          <a:p>
+            <a:pPr algn="ctr"/>
+            <a:r>
+              <a:rPr lang="en-US" altLang="zh-CN" sz="4000" b="1" dirty="0">
+                <a:solidFill>
+                  <a:schemeClr val="accent1"/>
+                </a:solidFill>
+                <a:effectLst>
+                  <a:outerShdw blurRad="38100" dist="25400" dir="5400000" algn="ctr" rotWithShape="0">
+                    <a:srgbClr val="6E747A">
+                      <a:alpha val="43000"/>
+                    </a:srgbClr>
+                  </a:outerShdw>
+                </a:effectLst>
+              </a:rPr>
+              <a:t>……</a:t>
+            </a:r>
+          </a:p>
+        </p:txBody>
+      </p:sp>
+      <p:pic>
+        <p:nvPicPr>
+          <p:cNvPr id="3" name="图片 2">
+            <a:extLst>
+              <a:ext uri="{FF2B5EF4-FFF2-40B4-BE49-F238E27FC236}">
+                <a16:creationId xmlns:a16="http://schemas.microsoft.com/office/drawing/2014/main" id="{13CDEFCC-5D04-431C-54BA-D371C5DDBD8B}"/>
+              </a:ext>
+            </a:extLst>
+          </p:cNvPr>
+          <p:cNvPicPr>
+            <a:picLocks noChangeAspect="1"/>
+          </p:cNvPicPr>
+          <p:nvPr/>
+        </p:nvPicPr>
+        <p:blipFill rotWithShape="1">
+          <a:blip r:embed="rId2"/>
+          <a:srcRect r="5031" b="74498"/>
+          <a:stretch/>
+        </p:blipFill>
+        <p:spPr>
+          <a:xfrm>
+            <a:off x="5893023" y="2851460"/>
+            <a:ext cx="5863548" cy="451576"/>
+          </a:xfrm>
+          <a:prstGeom prst="rect">
+            <a:avLst/>
+          </a:prstGeom>
+        </p:spPr>
+      </p:pic>
+    </p:spTree>
+    <p:extLst>
+      <p:ext uri="{BB962C8B-B14F-4D97-AF65-F5344CB8AC3E}">
+        <p14:creationId xmlns:p14="http://schemas.microsoft.com/office/powerpoint/2010/main" val="2458656750"/>
+      </p:ext>
+    </p:extLst>
+  </p:cSld>
+  <p:clrMapOvr>
+    <a:masterClrMapping/>
+  </p:clrMapOvr>
+  <mc:AlternateContent xmlns:mc="http://schemas.openxmlformats.org/markup-compatibility/2006">
+    <mc:Choice xmlns:p159="http://schemas.microsoft.com/office/powerpoint/2015/09/main" Requires="p159">
+      <p:transition xmlns:p14="http://schemas.microsoft.com/office/powerpoint/2010/main" spd="slow" p14:dur="2000">
+        <p159:morph option="byObject"/>
+      </p:transition>
+    </mc:Choice>
+    <mc:Fallback>
+      <p:transition spd="slow">
+        <p:fade/>
+      </p:transition>
+    </mc:Fallback>
+  </mc:AlternateContent>
 </p:sld>
 </file>
 
@@ -3266,7 +4099,14 @@
         <p:cNvGrpSpPr/>
         <p:nvPr/>
       </p:nvGrpSpPr>
-      <p:grpSpPr/>
+      <p:grpSpPr>
+        <a:xfrm>
+          <a:off x="0" y="0"/>
+          <a:ext cx="0" cy="0"/>
+          <a:chOff x="0" y="0"/>
+          <a:chExt cx="0" cy="0"/>
+        </a:xfrm>
+      </p:grpSpPr>
       <p:pic>
         <p:nvPicPr>
           <p:cNvPr id="2" name="图片 1" descr="mmexport1714181818790"/>
@@ -3276,7 +4116,7 @@
           <p:nvPr/>
         </p:nvPicPr>
         <p:blipFill>
-          <a:blip r:embed="rId1"/>
+          <a:blip r:embed="rId2"/>
           <a:stretch>
             <a:fillRect/>
           </a:stretch>
@@ -3296,6 +4136,18 @@
   <p:clrMapOvr>
     <a:masterClrMapping/>
   </p:clrMapOvr>
+  <mc:AlternateContent xmlns:mc="http://schemas.openxmlformats.org/markup-compatibility/2006">
+    <mc:Choice xmlns:p159="http://schemas.microsoft.com/office/powerpoint/2015/09/main" Requires="p159">
+      <p:transition xmlns:p14="http://schemas.microsoft.com/office/powerpoint/2010/main" spd="slow" p14:dur="2000">
+        <p159:morph option="byObject"/>
+      </p:transition>
+    </mc:Choice>
+    <mc:Fallback>
+      <p:transition spd="slow">
+        <p:fade/>
+      </p:transition>
+    </mc:Fallback>
+  </mc:AlternateContent>
 </p:sld>
 </file>
 
@@ -3308,7 +4160,14 @@
         <p:cNvGrpSpPr/>
         <p:nvPr/>
       </p:nvGrpSpPr>
-      <p:grpSpPr/>
+      <p:grpSpPr>
+        <a:xfrm>
+          <a:off x="0" y="0"/>
+          <a:ext cx="0" cy="0"/>
+          <a:chOff x="0" y="0"/>
+          <a:chExt cx="0" cy="0"/>
+        </a:xfrm>
+      </p:grpSpPr>
       <p:pic>
         <p:nvPicPr>
           <p:cNvPr id="4" name="图片 3"/>
@@ -3318,7 +4177,7 @@
           <p:nvPr/>
         </p:nvPicPr>
         <p:blipFill>
-          <a:blip r:embed="rId1"/>
+          <a:blip r:embed="rId2"/>
           <a:stretch>
             <a:fillRect/>
           </a:stretch>
@@ -3338,6 +4197,18 @@
   <p:clrMapOvr>
     <a:masterClrMapping/>
   </p:clrMapOvr>
+  <mc:AlternateContent xmlns:mc="http://schemas.openxmlformats.org/markup-compatibility/2006">
+    <mc:Choice xmlns:p159="http://schemas.microsoft.com/office/powerpoint/2015/09/main" Requires="p159">
+      <p:transition xmlns:p14="http://schemas.microsoft.com/office/powerpoint/2010/main" spd="slow" p14:dur="2000">
+        <p159:morph option="byObject"/>
+      </p:transition>
+    </mc:Choice>
+    <mc:Fallback>
+      <p:transition spd="slow">
+        <p:fade/>
+      </p:transition>
+    </mc:Fallback>
+  </mc:AlternateContent>
 </p:sld>
 </file>
 
@@ -3350,7 +4221,14 @@
         <p:cNvGrpSpPr/>
         <p:nvPr/>
       </p:nvGrpSpPr>
-      <p:grpSpPr/>
+      <p:grpSpPr>
+        <a:xfrm>
+          <a:off x="0" y="0"/>
+          <a:ext cx="0" cy="0"/>
+          <a:chOff x="0" y="0"/>
+          <a:chExt cx="0" cy="0"/>
+        </a:xfrm>
+      </p:grpSpPr>
       <p:sp>
         <p:nvSpPr>
           <p:cNvPr id="8" name="圆角矩形 7"/>
@@ -3382,6 +4260,7 @@
         </p:style>
         <p:txBody>
           <a:bodyPr rtlCol="0" anchor="ctr"/>
+          <a:lstStyle/>
           <a:p>
             <a:pPr algn="ctr"/>
             <a:endParaRPr lang="zh-CN" altLang="en-US"/>
@@ -3408,6 +4287,657 @@
           <a:bodyPr wrap="square" rtlCol="0">
             <a:spAutoFit/>
           </a:bodyPr>
+          <a:lstStyle/>
+          <a:p>
+            <a:r>
+              <a:rPr lang="zh-CN" altLang="en-US" sz="2800" dirty="0">
+                <a:ln w="6600">
+                  <a:solidFill>
+                    <a:schemeClr val="accent2"/>
+                  </a:solidFill>
+                  <a:prstDash val="solid"/>
+                </a:ln>
+                <a:solidFill>
+                  <a:srgbClr val="FFFFFF"/>
+                </a:solidFill>
+                <a:effectLst>
+                  <a:outerShdw dist="38100" dir="2700000" algn="tl" rotWithShape="0">
+                    <a:schemeClr val="accent2"/>
+                  </a:outerShdw>
+                </a:effectLst>
+              </a:rPr>
+              <a:t>跨平台</a:t>
+            </a:r>
+            <a:r>
+              <a:rPr lang="en-US" altLang="zh-CN" sz="2800" dirty="0">
+                <a:ln w="6600">
+                  <a:solidFill>
+                    <a:schemeClr val="accent2"/>
+                  </a:solidFill>
+                  <a:prstDash val="solid"/>
+                </a:ln>
+                <a:solidFill>
+                  <a:srgbClr val="FFFFFF"/>
+                </a:solidFill>
+                <a:effectLst>
+                  <a:outerShdw dist="38100" dir="2700000" algn="tl" rotWithShape="0">
+                    <a:schemeClr val="accent2"/>
+                  </a:outerShdw>
+                </a:effectLst>
+              </a:rPr>
+              <a:t>/</a:t>
+            </a:r>
+            <a:r>
+              <a:rPr lang="zh-CN" altLang="en-US" sz="2800" dirty="0">
+                <a:ln w="6600">
+                  <a:solidFill>
+                    <a:schemeClr val="accent2"/>
+                  </a:solidFill>
+                  <a:prstDash val="solid"/>
+                </a:ln>
+                <a:solidFill>
+                  <a:srgbClr val="FFFFFF"/>
+                </a:solidFill>
+                <a:effectLst>
+                  <a:outerShdw dist="38100" dir="2700000" algn="tl" rotWithShape="0">
+                    <a:schemeClr val="accent2"/>
+                  </a:outerShdw>
+                </a:effectLst>
+              </a:rPr>
+              <a:t>可移植性</a:t>
+            </a:r>
+          </a:p>
+        </p:txBody>
+      </p:sp>
+      <p:sp>
+        <p:nvSpPr>
+          <p:cNvPr id="5" name="文本框 4"/>
+          <p:cNvSpPr txBox="1"/>
+          <p:nvPr/>
+        </p:nvSpPr>
+        <p:spPr>
+          <a:xfrm>
+            <a:off x="1052195" y="1865630"/>
+            <a:ext cx="1869440" cy="521970"/>
+          </a:xfrm>
+          <a:prstGeom prst="rect">
+            <a:avLst/>
+          </a:prstGeom>
+          <a:noFill/>
+        </p:spPr>
+        <p:txBody>
+          <a:bodyPr wrap="square" rtlCol="0">
+            <a:spAutoFit/>
+          </a:bodyPr>
+          <a:lstStyle/>
+          <a:p>
+            <a:r>
+              <a:rPr lang="zh-CN" altLang="en-US" sz="2800">
+                <a:ln w="6600">
+                  <a:solidFill>
+                    <a:schemeClr val="accent2"/>
+                  </a:solidFill>
+                  <a:prstDash val="solid"/>
+                </a:ln>
+                <a:solidFill>
+                  <a:srgbClr val="FFFFFF"/>
+                </a:solidFill>
+                <a:effectLst>
+                  <a:outerShdw dist="38100" dir="2700000" algn="tl" rotWithShape="0">
+                    <a:schemeClr val="accent2"/>
+                  </a:outerShdw>
+                </a:effectLst>
+              </a:rPr>
+              <a:t>面向对象</a:t>
+            </a:r>
+          </a:p>
+        </p:txBody>
+      </p:sp>
+      <p:sp>
+        <p:nvSpPr>
+          <p:cNvPr id="7" name="左右箭头 6"/>
+          <p:cNvSpPr/>
+          <p:nvPr/>
+        </p:nvSpPr>
+        <p:spPr>
+          <a:xfrm rot="1500000">
+            <a:off x="4064635" y="3249930"/>
+            <a:ext cx="3742055" cy="278130"/>
+          </a:xfrm>
+          <a:prstGeom prst="leftRightArrow">
+            <a:avLst/>
+          </a:prstGeom>
+        </p:spPr>
+        <p:style>
+          <a:lnRef idx="2">
+            <a:schemeClr val="lt1"/>
+          </a:lnRef>
+          <a:fillRef idx="1">
+            <a:schemeClr val="accent1"/>
+          </a:fillRef>
+          <a:effectRef idx="1">
+            <a:schemeClr val="accent1"/>
+          </a:effectRef>
+          <a:fontRef idx="minor">
+            <a:schemeClr val="lt1"/>
+          </a:fontRef>
+        </p:style>
+        <p:txBody>
+          <a:bodyPr rtlCol="0" anchor="ctr"/>
+          <a:lstStyle/>
+          <a:p>
+            <a:pPr algn="ctr"/>
+            <a:endParaRPr lang="zh-CN" altLang="en-US"/>
+          </a:p>
+        </p:txBody>
+      </p:sp>
+      <p:sp>
+        <p:nvSpPr>
+          <p:cNvPr id="9" name="圆角矩形 8"/>
+          <p:cNvSpPr/>
+          <p:nvPr/>
+        </p:nvSpPr>
+        <p:spPr>
+          <a:xfrm>
+            <a:off x="7771130" y="4105910"/>
+            <a:ext cx="3429000" cy="1303020"/>
+          </a:xfrm>
+          <a:prstGeom prst="roundRect">
+            <a:avLst/>
+          </a:prstGeom>
+        </p:spPr>
+        <p:style>
+          <a:lnRef idx="2">
+            <a:schemeClr val="lt1"/>
+          </a:lnRef>
+          <a:fillRef idx="1">
+            <a:schemeClr val="accent6"/>
+          </a:fillRef>
+          <a:effectRef idx="1">
+            <a:schemeClr val="accent6"/>
+          </a:effectRef>
+          <a:fontRef idx="minor">
+            <a:schemeClr val="lt1"/>
+          </a:fontRef>
+        </p:style>
+        <p:txBody>
+          <a:bodyPr rtlCol="0" anchor="ctr"/>
+          <a:lstStyle/>
+          <a:p>
+            <a:pPr algn="ctr"/>
+            <a:endParaRPr lang="zh-CN" altLang="en-US"/>
+          </a:p>
+        </p:txBody>
+      </p:sp>
+      <p:sp>
+        <p:nvSpPr>
+          <p:cNvPr id="10" name="文本框 9"/>
+          <p:cNvSpPr txBox="1"/>
+          <p:nvPr/>
+        </p:nvSpPr>
+        <p:spPr>
+          <a:xfrm>
+            <a:off x="8046085" y="4220845"/>
+            <a:ext cx="2878455" cy="521970"/>
+          </a:xfrm>
+          <a:prstGeom prst="rect">
+            <a:avLst/>
+          </a:prstGeom>
+          <a:noFill/>
+        </p:spPr>
+        <p:txBody>
+          <a:bodyPr wrap="square" rtlCol="0">
+            <a:spAutoFit/>
+          </a:bodyPr>
+          <a:lstStyle/>
+          <a:p>
+            <a:r>
+              <a:rPr lang="zh-CN" altLang="en-US" sz="2800" dirty="0">
+                <a:ln w="6600">
+                  <a:solidFill>
+                    <a:schemeClr val="accent2"/>
+                  </a:solidFill>
+                  <a:prstDash val="solid"/>
+                </a:ln>
+                <a:solidFill>
+                  <a:srgbClr val="FFFFFF"/>
+                </a:solidFill>
+                <a:effectLst>
+                  <a:outerShdw dist="38100" dir="2700000" algn="tl" rotWithShape="0">
+                    <a:schemeClr val="accent2"/>
+                  </a:outerShdw>
+                </a:effectLst>
+              </a:rPr>
+              <a:t>依赖虚拟机</a:t>
+            </a:r>
+          </a:p>
+        </p:txBody>
+      </p:sp>
+      <p:sp>
+        <p:nvSpPr>
+          <p:cNvPr id="11" name="文本框 10"/>
+          <p:cNvSpPr txBox="1"/>
+          <p:nvPr/>
+        </p:nvSpPr>
+        <p:spPr>
+          <a:xfrm>
+            <a:off x="8046085" y="4742815"/>
+            <a:ext cx="2878455" cy="521970"/>
+          </a:xfrm>
+          <a:prstGeom prst="rect">
+            <a:avLst/>
+          </a:prstGeom>
+          <a:noFill/>
+        </p:spPr>
+        <p:txBody>
+          <a:bodyPr wrap="square" rtlCol="0">
+            <a:spAutoFit/>
+          </a:bodyPr>
+          <a:lstStyle/>
+          <a:p>
+            <a:r>
+              <a:rPr lang="zh-CN" altLang="en-US" sz="2800">
+                <a:ln w="6600">
+                  <a:solidFill>
+                    <a:schemeClr val="accent2"/>
+                  </a:solidFill>
+                  <a:prstDash val="solid"/>
+                </a:ln>
+                <a:solidFill>
+                  <a:srgbClr val="FFFFFF"/>
+                </a:solidFill>
+                <a:effectLst>
+                  <a:outerShdw dist="38100" dir="2700000" algn="tl" rotWithShape="0">
+                    <a:schemeClr val="accent2"/>
+                  </a:outerShdw>
+                </a:effectLst>
+              </a:rPr>
+              <a:t>速度慢，内存大</a:t>
+            </a:r>
+          </a:p>
+        </p:txBody>
+      </p:sp>
+    </p:spTree>
+  </p:cSld>
+  <p:clrMapOvr>
+    <a:masterClrMapping/>
+  </p:clrMapOvr>
+  <mc:AlternateContent xmlns:mc="http://schemas.openxmlformats.org/markup-compatibility/2006">
+    <mc:Choice xmlns:p159="http://schemas.microsoft.com/office/powerpoint/2015/09/main" Requires="p159">
+      <p:transition xmlns:p14="http://schemas.microsoft.com/office/powerpoint/2010/main" spd="slow" p14:dur="2000">
+        <p159:morph option="byObject"/>
+      </p:transition>
+    </mc:Choice>
+    <mc:Fallback>
+      <p:transition spd="slow">
+        <p:fade/>
+      </p:transition>
+    </mc:Fallback>
+  </mc:AlternateContent>
+  <p:timing>
+    <p:tnLst>
+      <p:par>
+        <p:cTn id="1" dur="indefinite" restart="never" nodeType="tmRoot">
+          <p:childTnLst>
+            <p:seq concurrent="1" nextAc="seek">
+              <p:cTn id="2" dur="indefinite" nodeType="mainSeq">
+                <p:childTnLst>
+                  <p:par>
+                    <p:cTn id="3" fill="hold">
+                      <p:stCondLst>
+                        <p:cond delay="indefinite"/>
+                        <p:cond evt="onBegin" delay="0">
+                          <p:tn val="2"/>
+                        </p:cond>
+                      </p:stCondLst>
+                      <p:childTnLst>
+                        <p:par>
+                          <p:cTn id="4" fill="hold">
+                            <p:stCondLst>
+                              <p:cond delay="0"/>
+                            </p:stCondLst>
+                            <p:childTnLst>
+                              <p:par>
+                                <p:cTn id="5" presetID="10" presetClass="entr" presetSubtype="0" fill="hold" grpId="0" nodeType="withEffect">
+                                  <p:stCondLst>
+                                    <p:cond delay="0"/>
+                                  </p:stCondLst>
+                                  <p:childTnLst>
+                                    <p:set>
+                                      <p:cBhvr>
+                                        <p:cTn id="6" dur="1" fill="hold">
+                                          <p:stCondLst>
+                                            <p:cond delay="0"/>
+                                          </p:stCondLst>
+                                        </p:cTn>
+                                        <p:tgtEl>
+                                          <p:spTgt spid="4"/>
+                                        </p:tgtEl>
+                                        <p:attrNameLst>
+                                          <p:attrName>style.visibility</p:attrName>
+                                        </p:attrNameLst>
+                                      </p:cBhvr>
+                                      <p:to>
+                                        <p:strVal val="visible"/>
+                                      </p:to>
+                                    </p:set>
+                                    <p:animEffect transition="in" filter="fade">
+                                      <p:cBhvr>
+                                        <p:cTn id="7" dur="500"/>
+                                        <p:tgtEl>
+                                          <p:spTgt spid="4"/>
+                                        </p:tgtEl>
+                                      </p:cBhvr>
+                                    </p:animEffect>
+                                  </p:childTnLst>
+                                </p:cTn>
+                              </p:par>
+                              <p:par>
+                                <p:cTn id="8" presetID="10" presetClass="entr" presetSubtype="0" fill="hold" grpId="0" nodeType="withEffect">
+                                  <p:stCondLst>
+                                    <p:cond delay="0"/>
+                                  </p:stCondLst>
+                                  <p:childTnLst>
+                                    <p:set>
+                                      <p:cBhvr>
+                                        <p:cTn id="9" dur="1" fill="hold">
+                                          <p:stCondLst>
+                                            <p:cond delay="0"/>
+                                          </p:stCondLst>
+                                        </p:cTn>
+                                        <p:tgtEl>
+                                          <p:spTgt spid="5"/>
+                                        </p:tgtEl>
+                                        <p:attrNameLst>
+                                          <p:attrName>style.visibility</p:attrName>
+                                        </p:attrNameLst>
+                                      </p:cBhvr>
+                                      <p:to>
+                                        <p:strVal val="visible"/>
+                                      </p:to>
+                                    </p:set>
+                                    <p:animEffect transition="in" filter="fade">
+                                      <p:cBhvr>
+                                        <p:cTn id="10" dur="500"/>
+                                        <p:tgtEl>
+                                          <p:spTgt spid="5"/>
+                                        </p:tgtEl>
+                                      </p:cBhvr>
+                                    </p:animEffect>
+                                  </p:childTnLst>
+                                </p:cTn>
+                              </p:par>
+                              <p:par>
+                                <p:cTn id="11" presetID="10" presetClass="entr" presetSubtype="0" fill="hold" grpId="0" nodeType="withEffect">
+                                  <p:stCondLst>
+                                    <p:cond delay="0"/>
+                                  </p:stCondLst>
+                                  <p:childTnLst>
+                                    <p:set>
+                                      <p:cBhvr>
+                                        <p:cTn id="12" dur="1" fill="hold">
+                                          <p:stCondLst>
+                                            <p:cond delay="0"/>
+                                          </p:stCondLst>
+                                        </p:cTn>
+                                        <p:tgtEl>
+                                          <p:spTgt spid="8"/>
+                                        </p:tgtEl>
+                                        <p:attrNameLst>
+                                          <p:attrName>style.visibility</p:attrName>
+                                        </p:attrNameLst>
+                                      </p:cBhvr>
+                                      <p:to>
+                                        <p:strVal val="visible"/>
+                                      </p:to>
+                                    </p:set>
+                                    <p:animEffect transition="in" filter="fade">
+                                      <p:cBhvr>
+                                        <p:cTn id="13" dur="500"/>
+                                        <p:tgtEl>
+                                          <p:spTgt spid="8"/>
+                                        </p:tgtEl>
+                                      </p:cBhvr>
+                                    </p:animEffect>
+                                  </p:childTnLst>
+                                </p:cTn>
+                              </p:par>
+                            </p:childTnLst>
+                          </p:cTn>
+                        </p:par>
+                      </p:childTnLst>
+                    </p:cTn>
+                  </p:par>
+                  <p:par>
+                    <p:cTn id="14" fill="hold">
+                      <p:stCondLst>
+                        <p:cond delay="indefinite"/>
+                      </p:stCondLst>
+                      <p:childTnLst>
+                        <p:par>
+                          <p:cTn id="15" fill="hold">
+                            <p:stCondLst>
+                              <p:cond delay="0"/>
+                            </p:stCondLst>
+                            <p:childTnLst>
+                              <p:par>
+                                <p:cTn id="16" presetID="10" presetClass="entr" presetSubtype="0" fill="hold" grpId="0" nodeType="clickEffect">
+                                  <p:stCondLst>
+                                    <p:cond delay="0"/>
+                                  </p:stCondLst>
+                                  <p:childTnLst>
+                                    <p:set>
+                                      <p:cBhvr>
+                                        <p:cTn id="17" dur="1" fill="hold">
+                                          <p:stCondLst>
+                                            <p:cond delay="0"/>
+                                          </p:stCondLst>
+                                        </p:cTn>
+                                        <p:tgtEl>
+                                          <p:spTgt spid="10"/>
+                                        </p:tgtEl>
+                                        <p:attrNameLst>
+                                          <p:attrName>style.visibility</p:attrName>
+                                        </p:attrNameLst>
+                                      </p:cBhvr>
+                                      <p:to>
+                                        <p:strVal val="visible"/>
+                                      </p:to>
+                                    </p:set>
+                                    <p:animEffect transition="in" filter="fade">
+                                      <p:cBhvr>
+                                        <p:cTn id="18" dur="500"/>
+                                        <p:tgtEl>
+                                          <p:spTgt spid="10"/>
+                                        </p:tgtEl>
+                                      </p:cBhvr>
+                                    </p:animEffect>
+                                  </p:childTnLst>
+                                </p:cTn>
+                              </p:par>
+                              <p:par>
+                                <p:cTn id="19" presetID="10" presetClass="entr" presetSubtype="0" fill="hold" grpId="0" nodeType="withEffect">
+                                  <p:stCondLst>
+                                    <p:cond delay="0"/>
+                                  </p:stCondLst>
+                                  <p:childTnLst>
+                                    <p:set>
+                                      <p:cBhvr>
+                                        <p:cTn id="20" dur="1" fill="hold">
+                                          <p:stCondLst>
+                                            <p:cond delay="0"/>
+                                          </p:stCondLst>
+                                        </p:cTn>
+                                        <p:tgtEl>
+                                          <p:spTgt spid="11"/>
+                                        </p:tgtEl>
+                                        <p:attrNameLst>
+                                          <p:attrName>style.visibility</p:attrName>
+                                        </p:attrNameLst>
+                                      </p:cBhvr>
+                                      <p:to>
+                                        <p:strVal val="visible"/>
+                                      </p:to>
+                                    </p:set>
+                                    <p:animEffect transition="in" filter="fade">
+                                      <p:cBhvr>
+                                        <p:cTn id="21" dur="500"/>
+                                        <p:tgtEl>
+                                          <p:spTgt spid="11"/>
+                                        </p:tgtEl>
+                                      </p:cBhvr>
+                                    </p:animEffect>
+                                  </p:childTnLst>
+                                </p:cTn>
+                              </p:par>
+                              <p:par>
+                                <p:cTn id="22" presetID="10" presetClass="entr" presetSubtype="0" fill="hold" grpId="0" nodeType="withEffect">
+                                  <p:stCondLst>
+                                    <p:cond delay="0"/>
+                                  </p:stCondLst>
+                                  <p:childTnLst>
+                                    <p:set>
+                                      <p:cBhvr>
+                                        <p:cTn id="23" dur="1" fill="hold">
+                                          <p:stCondLst>
+                                            <p:cond delay="0"/>
+                                          </p:stCondLst>
+                                        </p:cTn>
+                                        <p:tgtEl>
+                                          <p:spTgt spid="9"/>
+                                        </p:tgtEl>
+                                        <p:attrNameLst>
+                                          <p:attrName>style.visibility</p:attrName>
+                                        </p:attrNameLst>
+                                      </p:cBhvr>
+                                      <p:to>
+                                        <p:strVal val="visible"/>
+                                      </p:to>
+                                    </p:set>
+                                    <p:animEffect transition="in" filter="fade">
+                                      <p:cBhvr>
+                                        <p:cTn id="24" dur="500"/>
+                                        <p:tgtEl>
+                                          <p:spTgt spid="9"/>
+                                        </p:tgtEl>
+                                      </p:cBhvr>
+                                    </p:animEffect>
+                                  </p:childTnLst>
+                                </p:cTn>
+                              </p:par>
+                              <p:par>
+                                <p:cTn id="25" presetID="10" presetClass="entr" presetSubtype="0" fill="hold" grpId="0" nodeType="withEffect">
+                                  <p:stCondLst>
+                                    <p:cond delay="0"/>
+                                  </p:stCondLst>
+                                  <p:childTnLst>
+                                    <p:set>
+                                      <p:cBhvr>
+                                        <p:cTn id="26" dur="1" fill="hold">
+                                          <p:stCondLst>
+                                            <p:cond delay="0"/>
+                                          </p:stCondLst>
+                                        </p:cTn>
+                                        <p:tgtEl>
+                                          <p:spTgt spid="7"/>
+                                        </p:tgtEl>
+                                        <p:attrNameLst>
+                                          <p:attrName>style.visibility</p:attrName>
+                                        </p:attrNameLst>
+                                      </p:cBhvr>
+                                      <p:to>
+                                        <p:strVal val="visible"/>
+                                      </p:to>
+                                    </p:set>
+                                    <p:animEffect transition="in" filter="fade">
+                                      <p:cBhvr>
+                                        <p:cTn id="27" dur="500"/>
+                                        <p:tgtEl>
+                                          <p:spTgt spid="7"/>
+                                        </p:tgtEl>
+                                      </p:cBhvr>
+                                    </p:animEffect>
+                                  </p:childTnLst>
+                                </p:cTn>
+                              </p:par>
+                            </p:childTnLst>
+                          </p:cTn>
+                        </p:par>
+                      </p:childTnLst>
+                    </p:cTn>
+                  </p:par>
+                </p:childTnLst>
+              </p:cTn>
+              <p:prevCondLst>
+                <p:cond evt="onPrev" delay="0">
+                  <p:tgtEl>
+                    <p:sldTgt/>
+                  </p:tgtEl>
+                </p:cond>
+              </p:prevCondLst>
+              <p:nextCondLst>
+                <p:cond evt="onNext" delay="0">
+                  <p:tgtEl>
+                    <p:sldTgt/>
+                  </p:tgtEl>
+                </p:cond>
+              </p:nextCondLst>
+            </p:seq>
+          </p:childTnLst>
+        </p:cTn>
+      </p:par>
+    </p:tnLst>
+    <p:bldLst>
+      <p:bldP spid="8" grpId="0" animBg="1"/>
+      <p:bldP spid="4" grpId="0"/>
+      <p:bldP spid="5" grpId="0"/>
+      <p:bldP spid="7" grpId="0" animBg="1"/>
+      <p:bldP spid="9" grpId="0" animBg="1"/>
+      <p:bldP spid="10" grpId="0"/>
+      <p:bldP spid="11" grpId="0"/>
+    </p:bldLst>
+  </p:timing>
+</p:sld>
+</file>
+
+<file path=ppt/slides/slide5.xml><?xml version="1.0" encoding="utf-8"?>
+<p:sld xmlns:a="http://schemas.openxmlformats.org/drawingml/2006/main" xmlns:r="http://schemas.openxmlformats.org/officeDocument/2006/relationships" xmlns:p="http://schemas.openxmlformats.org/presentationml/2006/main">
+  <p:cSld>
+    <p:spTree>
+      <p:nvGrpSpPr>
+        <p:cNvPr id="1" name=""/>
+        <p:cNvGrpSpPr/>
+        <p:nvPr/>
+      </p:nvGrpSpPr>
+      <p:grpSpPr>
+        <a:xfrm>
+          <a:off x="0" y="0"/>
+          <a:ext cx="0" cy="0"/>
+          <a:chOff x="0" y="0"/>
+          <a:chExt cx="0" cy="0"/>
+        </a:xfrm>
+      </p:grpSpPr>
+      <p:sp>
+        <p:nvSpPr>
+          <p:cNvPr id="4" name="文本框 3"/>
+          <p:cNvSpPr txBox="1"/>
+          <p:nvPr/>
+        </p:nvSpPr>
+        <p:spPr>
+          <a:xfrm>
+            <a:off x="386715" y="349250"/>
+            <a:ext cx="2878455" cy="521970"/>
+          </a:xfrm>
+          <a:prstGeom prst="rect">
+            <a:avLst/>
+          </a:prstGeom>
+          <a:noFill/>
+        </p:spPr>
+        <p:txBody>
+          <a:bodyPr wrap="square" rtlCol="0">
+            <a:spAutoFit/>
+          </a:bodyPr>
+          <a:lstStyle/>
           <a:p>
             <a:r>
               <a:rPr lang="zh-CN" altLang="en-US" sz="2800">
@@ -3466,426 +4996,6 @@
               </a:rPr>
               <a:t>可移植性</a:t>
             </a:r>
-            <a:endParaRPr lang="zh-CN" altLang="en-US" sz="2800">
-              <a:ln w="6600">
-                <a:solidFill>
-                  <a:schemeClr val="accent2"/>
-                </a:solidFill>
-                <a:prstDash val="solid"/>
-              </a:ln>
-              <a:solidFill>
-                <a:srgbClr val="FFFFFF"/>
-              </a:solidFill>
-              <a:effectLst>
-                <a:outerShdw dist="38100" dir="2700000" algn="tl" rotWithShape="0">
-                  <a:schemeClr val="accent2"/>
-                </a:outerShdw>
-              </a:effectLst>
-            </a:endParaRPr>
-          </a:p>
-        </p:txBody>
-      </p:sp>
-      <p:sp>
-        <p:nvSpPr>
-          <p:cNvPr id="5" name="文本框 4"/>
-          <p:cNvSpPr txBox="1"/>
-          <p:nvPr/>
-        </p:nvSpPr>
-        <p:spPr>
-          <a:xfrm>
-            <a:off x="1052195" y="1865630"/>
-            <a:ext cx="1869440" cy="521970"/>
-          </a:xfrm>
-          <a:prstGeom prst="rect">
-            <a:avLst/>
-          </a:prstGeom>
-          <a:noFill/>
-        </p:spPr>
-        <p:txBody>
-          <a:bodyPr wrap="square" rtlCol="0">
-            <a:spAutoFit/>
-          </a:bodyPr>
-          <a:p>
-            <a:r>
-              <a:rPr lang="zh-CN" altLang="en-US" sz="2800">
-                <a:ln w="6600">
-                  <a:solidFill>
-                    <a:schemeClr val="accent2"/>
-                  </a:solidFill>
-                  <a:prstDash val="solid"/>
-                </a:ln>
-                <a:solidFill>
-                  <a:srgbClr val="FFFFFF"/>
-                </a:solidFill>
-                <a:effectLst>
-                  <a:outerShdw dist="38100" dir="2700000" algn="tl" rotWithShape="0">
-                    <a:schemeClr val="accent2"/>
-                  </a:outerShdw>
-                </a:effectLst>
-              </a:rPr>
-              <a:t>面向对象</a:t>
-            </a:r>
-            <a:endParaRPr lang="zh-CN" altLang="en-US" sz="2800">
-              <a:ln w="6600">
-                <a:solidFill>
-                  <a:schemeClr val="accent2"/>
-                </a:solidFill>
-                <a:prstDash val="solid"/>
-              </a:ln>
-              <a:solidFill>
-                <a:srgbClr val="FFFFFF"/>
-              </a:solidFill>
-              <a:effectLst>
-                <a:outerShdw dist="38100" dir="2700000" algn="tl" rotWithShape="0">
-                  <a:schemeClr val="accent2"/>
-                </a:outerShdw>
-              </a:effectLst>
-            </a:endParaRPr>
-          </a:p>
-        </p:txBody>
-      </p:sp>
-      <p:sp>
-        <p:nvSpPr>
-          <p:cNvPr id="7" name="左右箭头 6"/>
-          <p:cNvSpPr/>
-          <p:nvPr/>
-        </p:nvSpPr>
-        <p:spPr>
-          <a:xfrm rot="1500000">
-            <a:off x="4064635" y="3249930"/>
-            <a:ext cx="3742055" cy="278130"/>
-          </a:xfrm>
-          <a:prstGeom prst="leftRightArrow">
-            <a:avLst/>
-          </a:prstGeom>
-        </p:spPr>
-        <p:style>
-          <a:lnRef idx="2">
-            <a:schemeClr val="lt1"/>
-          </a:lnRef>
-          <a:fillRef idx="1">
-            <a:schemeClr val="accent1"/>
-          </a:fillRef>
-          <a:effectRef idx="1">
-            <a:schemeClr val="accent1"/>
-          </a:effectRef>
-          <a:fontRef idx="minor">
-            <a:schemeClr val="lt1"/>
-          </a:fontRef>
-        </p:style>
-        <p:txBody>
-          <a:bodyPr rtlCol="0" anchor="ctr"/>
-          <a:p>
-            <a:pPr algn="ctr"/>
-            <a:endParaRPr lang="zh-CN" altLang="en-US"/>
-          </a:p>
-        </p:txBody>
-      </p:sp>
-      <p:sp>
-        <p:nvSpPr>
-          <p:cNvPr id="9" name="圆角矩形 8"/>
-          <p:cNvSpPr/>
-          <p:nvPr/>
-        </p:nvSpPr>
-        <p:spPr>
-          <a:xfrm>
-            <a:off x="7771130" y="4105910"/>
-            <a:ext cx="3429000" cy="1303020"/>
-          </a:xfrm>
-          <a:prstGeom prst="roundRect">
-            <a:avLst/>
-          </a:prstGeom>
-        </p:spPr>
-        <p:style>
-          <a:lnRef idx="2">
-            <a:schemeClr val="lt1"/>
-          </a:lnRef>
-          <a:fillRef idx="1">
-            <a:schemeClr val="accent6"/>
-          </a:fillRef>
-          <a:effectRef idx="1">
-            <a:schemeClr val="accent6"/>
-          </a:effectRef>
-          <a:fontRef idx="minor">
-            <a:schemeClr val="lt1"/>
-          </a:fontRef>
-        </p:style>
-        <p:txBody>
-          <a:bodyPr rtlCol="0" anchor="ctr"/>
-          <a:p>
-            <a:pPr algn="ctr"/>
-            <a:endParaRPr lang="zh-CN" altLang="en-US"/>
-          </a:p>
-        </p:txBody>
-      </p:sp>
-      <p:sp>
-        <p:nvSpPr>
-          <p:cNvPr id="10" name="文本框 9"/>
-          <p:cNvSpPr txBox="1"/>
-          <p:nvPr/>
-        </p:nvSpPr>
-        <p:spPr>
-          <a:xfrm>
-            <a:off x="8046085" y="4220845"/>
-            <a:ext cx="2878455" cy="521970"/>
-          </a:xfrm>
-          <a:prstGeom prst="rect">
-            <a:avLst/>
-          </a:prstGeom>
-          <a:noFill/>
-        </p:spPr>
-        <p:txBody>
-          <a:bodyPr wrap="square" rtlCol="0">
-            <a:spAutoFit/>
-          </a:bodyPr>
-          <a:p>
-            <a:r>
-              <a:rPr lang="zh-CN" altLang="en-US" sz="2800">
-                <a:ln w="6600">
-                  <a:solidFill>
-                    <a:schemeClr val="accent2"/>
-                  </a:solidFill>
-                  <a:prstDash val="solid"/>
-                </a:ln>
-                <a:solidFill>
-                  <a:srgbClr val="FFFFFF"/>
-                </a:solidFill>
-                <a:effectLst>
-                  <a:outerShdw dist="38100" dir="2700000" algn="tl" rotWithShape="0">
-                    <a:schemeClr val="accent2"/>
-                  </a:outerShdw>
-                </a:effectLst>
-              </a:rPr>
-              <a:t>依赖</a:t>
-            </a:r>
-            <a:r>
-              <a:rPr lang="zh-CN" altLang="en-US" sz="2800">
-                <a:ln w="6600">
-                  <a:solidFill>
-                    <a:schemeClr val="accent2"/>
-                  </a:solidFill>
-                  <a:prstDash val="solid"/>
-                </a:ln>
-                <a:solidFill>
-                  <a:srgbClr val="FFFFFF"/>
-                </a:solidFill>
-                <a:effectLst>
-                  <a:outerShdw dist="38100" dir="2700000" algn="tl" rotWithShape="0">
-                    <a:schemeClr val="accent2"/>
-                  </a:outerShdw>
-                </a:effectLst>
-              </a:rPr>
-              <a:t>虚拟机</a:t>
-            </a:r>
-            <a:endParaRPr lang="zh-CN" altLang="en-US" sz="2800">
-              <a:ln w="6600">
-                <a:solidFill>
-                  <a:schemeClr val="accent2"/>
-                </a:solidFill>
-                <a:prstDash val="solid"/>
-              </a:ln>
-              <a:solidFill>
-                <a:srgbClr val="FFFFFF"/>
-              </a:solidFill>
-              <a:effectLst>
-                <a:outerShdw dist="38100" dir="2700000" algn="tl" rotWithShape="0">
-                  <a:schemeClr val="accent2"/>
-                </a:outerShdw>
-              </a:effectLst>
-            </a:endParaRPr>
-          </a:p>
-        </p:txBody>
-      </p:sp>
-      <p:sp>
-        <p:nvSpPr>
-          <p:cNvPr id="11" name="文本框 10"/>
-          <p:cNvSpPr txBox="1"/>
-          <p:nvPr/>
-        </p:nvSpPr>
-        <p:spPr>
-          <a:xfrm>
-            <a:off x="8046085" y="4742815"/>
-            <a:ext cx="2878455" cy="521970"/>
-          </a:xfrm>
-          <a:prstGeom prst="rect">
-            <a:avLst/>
-          </a:prstGeom>
-          <a:noFill/>
-        </p:spPr>
-        <p:txBody>
-          <a:bodyPr wrap="square" rtlCol="0">
-            <a:spAutoFit/>
-          </a:bodyPr>
-          <a:p>
-            <a:r>
-              <a:rPr lang="zh-CN" altLang="en-US" sz="2800">
-                <a:ln w="6600">
-                  <a:solidFill>
-                    <a:schemeClr val="accent2"/>
-                  </a:solidFill>
-                  <a:prstDash val="solid"/>
-                </a:ln>
-                <a:solidFill>
-                  <a:srgbClr val="FFFFFF"/>
-                </a:solidFill>
-                <a:effectLst>
-                  <a:outerShdw dist="38100" dir="2700000" algn="tl" rotWithShape="0">
-                    <a:schemeClr val="accent2"/>
-                  </a:outerShdw>
-                </a:effectLst>
-              </a:rPr>
-              <a:t>速度慢，</a:t>
-            </a:r>
-            <a:r>
-              <a:rPr lang="zh-CN" altLang="en-US" sz="2800">
-                <a:ln w="6600">
-                  <a:solidFill>
-                    <a:schemeClr val="accent2"/>
-                  </a:solidFill>
-                  <a:prstDash val="solid"/>
-                </a:ln>
-                <a:solidFill>
-                  <a:srgbClr val="FFFFFF"/>
-                </a:solidFill>
-                <a:effectLst>
-                  <a:outerShdw dist="38100" dir="2700000" algn="tl" rotWithShape="0">
-                    <a:schemeClr val="accent2"/>
-                  </a:outerShdw>
-                </a:effectLst>
-              </a:rPr>
-              <a:t>内存大</a:t>
-            </a:r>
-            <a:endParaRPr lang="zh-CN" altLang="en-US" sz="2800">
-              <a:ln w="6600">
-                <a:solidFill>
-                  <a:schemeClr val="accent2"/>
-                </a:solidFill>
-                <a:prstDash val="solid"/>
-              </a:ln>
-              <a:solidFill>
-                <a:srgbClr val="FFFFFF"/>
-              </a:solidFill>
-              <a:effectLst>
-                <a:outerShdw dist="38100" dir="2700000" algn="tl" rotWithShape="0">
-                  <a:schemeClr val="accent2"/>
-                </a:outerShdw>
-              </a:effectLst>
-            </a:endParaRPr>
-          </a:p>
-        </p:txBody>
-      </p:sp>
-    </p:spTree>
-  </p:cSld>
-  <p:clrMapOvr>
-    <a:masterClrMapping/>
-  </p:clrMapOvr>
-</p:sld>
-</file>
-
-<file path=ppt/slides/slide5.xml><?xml version="1.0" encoding="utf-8"?>
-<p:sld xmlns:a="http://schemas.openxmlformats.org/drawingml/2006/main" xmlns:r="http://schemas.openxmlformats.org/officeDocument/2006/relationships" xmlns:p="http://schemas.openxmlformats.org/presentationml/2006/main">
-  <p:cSld>
-    <p:spTree>
-      <p:nvGrpSpPr>
-        <p:cNvPr id="1" name=""/>
-        <p:cNvGrpSpPr/>
-        <p:nvPr/>
-      </p:nvGrpSpPr>
-      <p:grpSpPr/>
-      <p:sp>
-        <p:nvSpPr>
-          <p:cNvPr id="4" name="文本框 3"/>
-          <p:cNvSpPr txBox="1"/>
-          <p:nvPr/>
-        </p:nvSpPr>
-        <p:spPr>
-          <a:xfrm>
-            <a:off x="386715" y="349250"/>
-            <a:ext cx="2878455" cy="521970"/>
-          </a:xfrm>
-          <a:prstGeom prst="rect">
-            <a:avLst/>
-          </a:prstGeom>
-          <a:noFill/>
-        </p:spPr>
-        <p:txBody>
-          <a:bodyPr wrap="square" rtlCol="0">
-            <a:spAutoFit/>
-          </a:bodyPr>
-          <a:p>
-            <a:r>
-              <a:rPr lang="zh-CN" altLang="en-US" sz="2800">
-                <a:ln w="6600">
-                  <a:solidFill>
-                    <a:schemeClr val="accent2"/>
-                  </a:solidFill>
-                  <a:prstDash val="solid"/>
-                </a:ln>
-                <a:solidFill>
-                  <a:srgbClr val="FFFFFF"/>
-                </a:solidFill>
-                <a:effectLst>
-                  <a:outerShdw dist="38100" dir="2700000" algn="tl" rotWithShape="0">
-                    <a:schemeClr val="accent2"/>
-                  </a:outerShdw>
-                </a:effectLst>
-              </a:rPr>
-              <a:t>跨平台</a:t>
-            </a:r>
-            <a:r>
-              <a:rPr lang="en-US" altLang="zh-CN" sz="2800">
-                <a:ln w="6600">
-                  <a:solidFill>
-                    <a:schemeClr val="accent2"/>
-                  </a:solidFill>
-                  <a:prstDash val="solid"/>
-                </a:ln>
-                <a:solidFill>
-                  <a:srgbClr val="FFFFFF"/>
-                </a:solidFill>
-                <a:effectLst>
-                  <a:outerShdw dist="38100" dir="2700000" algn="tl" rotWithShape="0">
-                    <a:schemeClr val="accent2"/>
-                  </a:outerShdw>
-                </a:effectLst>
-              </a:rPr>
-              <a:t>/</a:t>
-            </a:r>
-            <a:r>
-              <a:rPr lang="zh-CN" altLang="en-US" sz="2800">
-                <a:ln w="6600">
-                  <a:solidFill>
-                    <a:schemeClr val="accent2"/>
-                  </a:solidFill>
-                  <a:prstDash val="solid"/>
-                </a:ln>
-                <a:solidFill>
-                  <a:srgbClr val="FFFFFF"/>
-                </a:solidFill>
-                <a:effectLst>
-                  <a:outerShdw dist="38100" dir="2700000" algn="tl" rotWithShape="0">
-                    <a:schemeClr val="accent2"/>
-                  </a:outerShdw>
-                </a:effectLst>
-              </a:rPr>
-              <a:t>可移植性</a:t>
-            </a:r>
-            <a:endParaRPr lang="zh-CN" altLang="en-US" sz="2800">
-              <a:ln w="6600">
-                <a:solidFill>
-                  <a:schemeClr val="accent2"/>
-                </a:solidFill>
-                <a:prstDash val="solid"/>
-              </a:ln>
-              <a:solidFill>
-                <a:srgbClr val="FFFFFF"/>
-              </a:solidFill>
-              <a:effectLst>
-                <a:outerShdw dist="38100" dir="2700000" algn="tl" rotWithShape="0">
-                  <a:schemeClr val="accent2"/>
-                </a:outerShdw>
-              </a:effectLst>
-            </a:endParaRPr>
           </a:p>
         </p:txBody>
       </p:sp>
@@ -3896,7 +5006,7 @@
           <p:nvPr/>
         </p:nvPicPr>
         <p:blipFill>
-          <a:blip r:embed="rId1"/>
+          <a:blip r:embed="rId2"/>
           <a:stretch>
             <a:fillRect/>
           </a:stretch>
@@ -3918,46 +5028,6 @@
       <p:pic>
         <p:nvPicPr>
           <p:cNvPr id="102" name="图片 101"/>
-          <p:cNvPicPr/>
-          <p:nvPr/>
-        </p:nvPicPr>
-        <p:blipFill>
-          <a:blip r:embed="rId2">
-            <a:clrChange>
-              <a:clrFrom>
-                <a:srgbClr val="FFFFFF">
-                  <a:alpha val="100000"/>
-                </a:srgbClr>
-              </a:clrFrom>
-              <a:clrTo>
-                <a:srgbClr val="FFFFFF">
-                  <a:alpha val="100000"/>
-                  <a:alpha val="0"/>
-                </a:srgbClr>
-              </a:clrTo>
-            </a:clrChange>
-          </a:blip>
-          <a:stretch>
-            <a:fillRect/>
-          </a:stretch>
-        </p:blipFill>
-        <p:spPr>
-          <a:xfrm>
-            <a:off x="3265170" y="1284605"/>
-            <a:ext cx="4289425" cy="4289425"/>
-          </a:xfrm>
-          <a:prstGeom prst="rect">
-            <a:avLst/>
-          </a:prstGeom>
-          <a:noFill/>
-          <a:ln w="9525">
-            <a:noFill/>
-          </a:ln>
-        </p:spPr>
-      </p:pic>
-      <p:pic>
-        <p:nvPicPr>
-          <p:cNvPr id="103" name="图片 102"/>
           <p:cNvPicPr/>
           <p:nvPr/>
         </p:nvPicPr>
@@ -3983,8 +5053,8 @@
         </p:blipFill>
         <p:spPr>
           <a:xfrm>
-            <a:off x="7694930" y="1284605"/>
-            <a:ext cx="4356100" cy="4356100"/>
+            <a:off x="3265170" y="1284605"/>
+            <a:ext cx="4289425" cy="4289425"/>
           </a:xfrm>
           <a:prstGeom prst="rect">
             <a:avLst/>
@@ -3995,155 +5065,14 @@
           </a:ln>
         </p:spPr>
       </p:pic>
-    </p:spTree>
-  </p:cSld>
-  <p:clrMapOvr>
-    <a:masterClrMapping/>
-  </p:clrMapOvr>
-</p:sld>
-</file>
-
-<file path=ppt/slides/slide6.xml><?xml version="1.0" encoding="utf-8"?>
-<p:sld xmlns:a="http://schemas.openxmlformats.org/drawingml/2006/main" xmlns:r="http://schemas.openxmlformats.org/officeDocument/2006/relationships" xmlns:p="http://schemas.openxmlformats.org/presentationml/2006/main">
-  <p:cSld>
-    <p:spTree>
-      <p:nvGrpSpPr>
-        <p:cNvPr id="1" name=""/>
-        <p:cNvGrpSpPr/>
-        <p:nvPr/>
-      </p:nvGrpSpPr>
-      <p:grpSpPr/>
-      <p:sp>
-        <p:nvSpPr>
-          <p:cNvPr id="4" name="文本框 3"/>
-          <p:cNvSpPr txBox="1"/>
-          <p:nvPr/>
-        </p:nvSpPr>
-        <p:spPr>
-          <a:xfrm>
-            <a:off x="386715" y="349250"/>
-            <a:ext cx="2878455" cy="521970"/>
-          </a:xfrm>
-          <a:prstGeom prst="rect">
-            <a:avLst/>
-          </a:prstGeom>
-          <a:noFill/>
-        </p:spPr>
-        <p:txBody>
-          <a:bodyPr wrap="square" rtlCol="0">
-            <a:spAutoFit/>
-          </a:bodyPr>
-          <a:p>
-            <a:r>
-              <a:rPr lang="zh-CN" altLang="en-US" sz="2800">
-                <a:ln w="6600">
-                  <a:solidFill>
-                    <a:schemeClr val="accent2"/>
-                  </a:solidFill>
-                  <a:prstDash val="solid"/>
-                </a:ln>
-                <a:solidFill>
-                  <a:srgbClr val="FFFFFF"/>
-                </a:solidFill>
-                <a:effectLst>
-                  <a:outerShdw dist="38100" dir="2700000" algn="tl" rotWithShape="0">
-                    <a:schemeClr val="accent2"/>
-                  </a:outerShdw>
-                </a:effectLst>
-              </a:rPr>
-              <a:t>跨平台</a:t>
-            </a:r>
-            <a:r>
-              <a:rPr lang="en-US" altLang="zh-CN" sz="2800">
-                <a:ln w="6600">
-                  <a:solidFill>
-                    <a:schemeClr val="accent2"/>
-                  </a:solidFill>
-                  <a:prstDash val="solid"/>
-                </a:ln>
-                <a:solidFill>
-                  <a:srgbClr val="FFFFFF"/>
-                </a:solidFill>
-                <a:effectLst>
-                  <a:outerShdw dist="38100" dir="2700000" algn="tl" rotWithShape="0">
-                    <a:schemeClr val="accent2"/>
-                  </a:outerShdw>
-                </a:effectLst>
-              </a:rPr>
-              <a:t>/</a:t>
-            </a:r>
-            <a:r>
-              <a:rPr lang="zh-CN" altLang="en-US" sz="2800">
-                <a:ln w="6600">
-                  <a:solidFill>
-                    <a:schemeClr val="accent2"/>
-                  </a:solidFill>
-                  <a:prstDash val="solid"/>
-                </a:ln>
-                <a:solidFill>
-                  <a:srgbClr val="FFFFFF"/>
-                </a:solidFill>
-                <a:effectLst>
-                  <a:outerShdw dist="38100" dir="2700000" algn="tl" rotWithShape="0">
-                    <a:schemeClr val="accent2"/>
-                  </a:outerShdw>
-                </a:effectLst>
-              </a:rPr>
-              <a:t>可移植性</a:t>
-            </a:r>
-            <a:endParaRPr lang="zh-CN" altLang="en-US" sz="2800">
-              <a:ln w="6600">
-                <a:solidFill>
-                  <a:schemeClr val="accent2"/>
-                </a:solidFill>
-                <a:prstDash val="solid"/>
-              </a:ln>
-              <a:solidFill>
-                <a:srgbClr val="FFFFFF"/>
-              </a:solidFill>
-              <a:effectLst>
-                <a:outerShdw dist="38100" dir="2700000" algn="tl" rotWithShape="0">
-                  <a:schemeClr val="accent2"/>
-                </a:outerShdw>
-              </a:effectLst>
-            </a:endParaRPr>
-          </a:p>
-        </p:txBody>
-      </p:sp>
       <p:pic>
         <p:nvPicPr>
-          <p:cNvPr id="101" name="图片 100"/>
+          <p:cNvPr id="103" name="图片 102"/>
           <p:cNvPicPr/>
           <p:nvPr/>
         </p:nvPicPr>
         <p:blipFill>
-          <a:blip r:embed="rId1"/>
-          <a:stretch>
-            <a:fillRect/>
-          </a:stretch>
-        </p:blipFill>
-        <p:spPr>
-          <a:xfrm>
-            <a:off x="693420" y="5038725"/>
-            <a:ext cx="1439545" cy="1439545"/>
-          </a:xfrm>
-          <a:prstGeom prst="rect">
-            <a:avLst/>
-          </a:prstGeom>
-          <a:noFill/>
-          <a:ln w="9525">
-            <a:noFill/>
-          </a:ln>
-        </p:spPr>
-      </p:pic>
-      <p:pic>
-        <p:nvPicPr>
-          <p:cNvPr id="102" name="图片 101"/>
-          <p:cNvPicPr/>
-          <p:nvPr/>
-        </p:nvPicPr>
-        <p:blipFill>
-          <a:blip r:embed="rId2">
+          <a:blip r:embed="rId4">
             <a:clrChange>
               <a:clrFrom>
                 <a:srgbClr val="FFFFFF">
@@ -4164,8 +5093,8 @@
         </p:blipFill>
         <p:spPr>
           <a:xfrm>
-            <a:off x="4399280" y="4631055"/>
-            <a:ext cx="2226945" cy="2226945"/>
+            <a:off x="7694930" y="1284605"/>
+            <a:ext cx="4356100" cy="4356100"/>
           </a:xfrm>
           <a:prstGeom prst="rect">
             <a:avLst/>
@@ -4176,9 +5105,328 @@
           </a:ln>
         </p:spPr>
       </p:pic>
+    </p:spTree>
+  </p:cSld>
+  <p:clrMapOvr>
+    <a:masterClrMapping/>
+  </p:clrMapOvr>
+  <mc:AlternateContent xmlns:mc="http://schemas.openxmlformats.org/markup-compatibility/2006">
+    <mc:Choice xmlns:p159="http://schemas.microsoft.com/office/powerpoint/2015/09/main" Requires="p159">
+      <p:transition xmlns:p14="http://schemas.microsoft.com/office/powerpoint/2010/main" spd="slow" p14:dur="2000">
+        <p159:morph option="byObject"/>
+      </p:transition>
+    </mc:Choice>
+    <mc:Fallback>
+      <p:transition spd="slow">
+        <p:fade/>
+      </p:transition>
+    </mc:Fallback>
+  </mc:AlternateContent>
+  <p:timing>
+    <p:tnLst>
+      <p:par>
+        <p:cTn id="1" dur="indefinite" restart="never" nodeType="tmRoot">
+          <p:childTnLst>
+            <p:seq concurrent="1" nextAc="seek">
+              <p:cTn id="2" dur="indefinite" nodeType="mainSeq">
+                <p:childTnLst>
+                  <p:par>
+                    <p:cTn id="3" fill="hold">
+                      <p:stCondLst>
+                        <p:cond delay="indefinite"/>
+                        <p:cond evt="onBegin" delay="0">
+                          <p:tn val="2"/>
+                        </p:cond>
+                      </p:stCondLst>
+                      <p:childTnLst>
+                        <p:par>
+                          <p:cTn id="4" fill="hold">
+                            <p:stCondLst>
+                              <p:cond delay="0"/>
+                            </p:stCondLst>
+                            <p:childTnLst>
+                              <p:par>
+                                <p:cTn id="5" presetID="10" presetClass="entr" presetSubtype="0" fill="hold" nodeType="afterEffect">
+                                  <p:stCondLst>
+                                    <p:cond delay="0"/>
+                                  </p:stCondLst>
+                                  <p:childTnLst>
+                                    <p:set>
+                                      <p:cBhvr>
+                                        <p:cTn id="6" dur="1" fill="hold">
+                                          <p:stCondLst>
+                                            <p:cond delay="0"/>
+                                          </p:stCondLst>
+                                        </p:cTn>
+                                        <p:tgtEl>
+                                          <p:spTgt spid="101"/>
+                                        </p:tgtEl>
+                                        <p:attrNameLst>
+                                          <p:attrName>style.visibility</p:attrName>
+                                        </p:attrNameLst>
+                                      </p:cBhvr>
+                                      <p:to>
+                                        <p:strVal val="visible"/>
+                                      </p:to>
+                                    </p:set>
+                                    <p:animEffect transition="in" filter="fade">
+                                      <p:cBhvr>
+                                        <p:cTn id="7" dur="500"/>
+                                        <p:tgtEl>
+                                          <p:spTgt spid="101"/>
+                                        </p:tgtEl>
+                                      </p:cBhvr>
+                                    </p:animEffect>
+                                  </p:childTnLst>
+                                </p:cTn>
+                              </p:par>
+                            </p:childTnLst>
+                          </p:cTn>
+                        </p:par>
+                        <p:par>
+                          <p:cTn id="8" fill="hold">
+                            <p:stCondLst>
+                              <p:cond delay="500"/>
+                            </p:stCondLst>
+                            <p:childTnLst>
+                              <p:par>
+                                <p:cTn id="9" presetID="10" presetClass="entr" presetSubtype="0" fill="hold" nodeType="afterEffect">
+                                  <p:stCondLst>
+                                    <p:cond delay="0"/>
+                                  </p:stCondLst>
+                                  <p:childTnLst>
+                                    <p:set>
+                                      <p:cBhvr>
+                                        <p:cTn id="10" dur="1" fill="hold">
+                                          <p:stCondLst>
+                                            <p:cond delay="0"/>
+                                          </p:stCondLst>
+                                        </p:cTn>
+                                        <p:tgtEl>
+                                          <p:spTgt spid="102"/>
+                                        </p:tgtEl>
+                                        <p:attrNameLst>
+                                          <p:attrName>style.visibility</p:attrName>
+                                        </p:attrNameLst>
+                                      </p:cBhvr>
+                                      <p:to>
+                                        <p:strVal val="visible"/>
+                                      </p:to>
+                                    </p:set>
+                                    <p:animEffect transition="in" filter="fade">
+                                      <p:cBhvr>
+                                        <p:cTn id="11" dur="500"/>
+                                        <p:tgtEl>
+                                          <p:spTgt spid="102"/>
+                                        </p:tgtEl>
+                                      </p:cBhvr>
+                                    </p:animEffect>
+                                  </p:childTnLst>
+                                </p:cTn>
+                              </p:par>
+                            </p:childTnLst>
+                          </p:cTn>
+                        </p:par>
+                        <p:par>
+                          <p:cTn id="12" fill="hold">
+                            <p:stCondLst>
+                              <p:cond delay="1000"/>
+                            </p:stCondLst>
+                            <p:childTnLst>
+                              <p:par>
+                                <p:cTn id="13" presetID="10" presetClass="entr" presetSubtype="0" fill="hold" nodeType="afterEffect">
+                                  <p:stCondLst>
+                                    <p:cond delay="0"/>
+                                  </p:stCondLst>
+                                  <p:childTnLst>
+                                    <p:set>
+                                      <p:cBhvr>
+                                        <p:cTn id="14" dur="1" fill="hold">
+                                          <p:stCondLst>
+                                            <p:cond delay="0"/>
+                                          </p:stCondLst>
+                                        </p:cTn>
+                                        <p:tgtEl>
+                                          <p:spTgt spid="103"/>
+                                        </p:tgtEl>
+                                        <p:attrNameLst>
+                                          <p:attrName>style.visibility</p:attrName>
+                                        </p:attrNameLst>
+                                      </p:cBhvr>
+                                      <p:to>
+                                        <p:strVal val="visible"/>
+                                      </p:to>
+                                    </p:set>
+                                    <p:animEffect transition="in" filter="fade">
+                                      <p:cBhvr>
+                                        <p:cTn id="15" dur="500"/>
+                                        <p:tgtEl>
+                                          <p:spTgt spid="103"/>
+                                        </p:tgtEl>
+                                      </p:cBhvr>
+                                    </p:animEffect>
+                                  </p:childTnLst>
+                                </p:cTn>
+                              </p:par>
+                            </p:childTnLst>
+                          </p:cTn>
+                        </p:par>
+                      </p:childTnLst>
+                    </p:cTn>
+                  </p:par>
+                </p:childTnLst>
+              </p:cTn>
+              <p:prevCondLst>
+                <p:cond evt="onPrev" delay="0">
+                  <p:tgtEl>
+                    <p:sldTgt/>
+                  </p:tgtEl>
+                </p:cond>
+              </p:prevCondLst>
+              <p:nextCondLst>
+                <p:cond evt="onNext" delay="0">
+                  <p:tgtEl>
+                    <p:sldTgt/>
+                  </p:tgtEl>
+                </p:cond>
+              </p:nextCondLst>
+            </p:seq>
+          </p:childTnLst>
+        </p:cTn>
+      </p:par>
+    </p:tnLst>
+  </p:timing>
+</p:sld>
+</file>
+
+<file path=ppt/slides/slide6.xml><?xml version="1.0" encoding="utf-8"?>
+<p:sld xmlns:a="http://schemas.openxmlformats.org/drawingml/2006/main" xmlns:r="http://schemas.openxmlformats.org/officeDocument/2006/relationships" xmlns:p="http://schemas.openxmlformats.org/presentationml/2006/main">
+  <p:cSld>
+    <p:spTree>
+      <p:nvGrpSpPr>
+        <p:cNvPr id="1" name=""/>
+        <p:cNvGrpSpPr/>
+        <p:nvPr/>
+      </p:nvGrpSpPr>
+      <p:grpSpPr>
+        <a:xfrm>
+          <a:off x="0" y="0"/>
+          <a:ext cx="0" cy="0"/>
+          <a:chOff x="0" y="0"/>
+          <a:chExt cx="0" cy="0"/>
+        </a:xfrm>
+      </p:grpSpPr>
+      <p:sp>
+        <p:nvSpPr>
+          <p:cNvPr id="4" name="文本框 3"/>
+          <p:cNvSpPr txBox="1"/>
+          <p:nvPr/>
+        </p:nvSpPr>
+        <p:spPr>
+          <a:xfrm>
+            <a:off x="386715" y="349250"/>
+            <a:ext cx="2878455" cy="521970"/>
+          </a:xfrm>
+          <a:prstGeom prst="rect">
+            <a:avLst/>
+          </a:prstGeom>
+          <a:noFill/>
+        </p:spPr>
+        <p:txBody>
+          <a:bodyPr wrap="square" rtlCol="0">
+            <a:spAutoFit/>
+          </a:bodyPr>
+          <a:lstStyle/>
+          <a:p>
+            <a:r>
+              <a:rPr lang="zh-CN" altLang="en-US" sz="2800">
+                <a:ln w="6600">
+                  <a:solidFill>
+                    <a:schemeClr val="accent2"/>
+                  </a:solidFill>
+                  <a:prstDash val="solid"/>
+                </a:ln>
+                <a:solidFill>
+                  <a:srgbClr val="FFFFFF"/>
+                </a:solidFill>
+                <a:effectLst>
+                  <a:outerShdw dist="38100" dir="2700000" algn="tl" rotWithShape="0">
+                    <a:schemeClr val="accent2"/>
+                  </a:outerShdw>
+                </a:effectLst>
+              </a:rPr>
+              <a:t>跨平台</a:t>
+            </a:r>
+            <a:r>
+              <a:rPr lang="en-US" altLang="zh-CN" sz="2800">
+                <a:ln w="6600">
+                  <a:solidFill>
+                    <a:schemeClr val="accent2"/>
+                  </a:solidFill>
+                  <a:prstDash val="solid"/>
+                </a:ln>
+                <a:solidFill>
+                  <a:srgbClr val="FFFFFF"/>
+                </a:solidFill>
+                <a:effectLst>
+                  <a:outerShdw dist="38100" dir="2700000" algn="tl" rotWithShape="0">
+                    <a:schemeClr val="accent2"/>
+                  </a:outerShdw>
+                </a:effectLst>
+              </a:rPr>
+              <a:t>/</a:t>
+            </a:r>
+            <a:r>
+              <a:rPr lang="zh-CN" altLang="en-US" sz="2800">
+                <a:ln w="6600">
+                  <a:solidFill>
+                    <a:schemeClr val="accent2"/>
+                  </a:solidFill>
+                  <a:prstDash val="solid"/>
+                </a:ln>
+                <a:solidFill>
+                  <a:srgbClr val="FFFFFF"/>
+                </a:solidFill>
+                <a:effectLst>
+                  <a:outerShdw dist="38100" dir="2700000" algn="tl" rotWithShape="0">
+                    <a:schemeClr val="accent2"/>
+                  </a:outerShdw>
+                </a:effectLst>
+              </a:rPr>
+              <a:t>可移植性</a:t>
+            </a:r>
+          </a:p>
+        </p:txBody>
+      </p:sp>
       <p:pic>
         <p:nvPicPr>
-          <p:cNvPr id="103" name="图片 102"/>
+          <p:cNvPr id="101" name="图片 100"/>
+          <p:cNvPicPr/>
+          <p:nvPr/>
+        </p:nvPicPr>
+        <p:blipFill>
+          <a:blip r:embed="rId2"/>
+          <a:stretch>
+            <a:fillRect/>
+          </a:stretch>
+        </p:blipFill>
+        <p:spPr>
+          <a:xfrm>
+            <a:off x="693420" y="5038725"/>
+            <a:ext cx="1439545" cy="1439545"/>
+          </a:xfrm>
+          <a:prstGeom prst="rect">
+            <a:avLst/>
+          </a:prstGeom>
+          <a:noFill/>
+          <a:ln w="9525">
+            <a:noFill/>
+          </a:ln>
+        </p:spPr>
+      </p:pic>
+      <p:pic>
+        <p:nvPicPr>
+          <p:cNvPr id="102" name="图片 101"/>
           <p:cNvPicPr/>
           <p:nvPr/>
         </p:nvPicPr>
@@ -4204,6 +5452,46 @@
         </p:blipFill>
         <p:spPr>
           <a:xfrm>
+            <a:off x="4399280" y="4631055"/>
+            <a:ext cx="2226945" cy="2226945"/>
+          </a:xfrm>
+          <a:prstGeom prst="rect">
+            <a:avLst/>
+          </a:prstGeom>
+          <a:noFill/>
+          <a:ln w="9525">
+            <a:noFill/>
+          </a:ln>
+        </p:spPr>
+      </p:pic>
+      <p:pic>
+        <p:nvPicPr>
+          <p:cNvPr id="103" name="图片 102"/>
+          <p:cNvPicPr/>
+          <p:nvPr/>
+        </p:nvPicPr>
+        <p:blipFill>
+          <a:blip r:embed="rId4">
+            <a:clrChange>
+              <a:clrFrom>
+                <a:srgbClr val="FFFFFF">
+                  <a:alpha val="100000"/>
+                </a:srgbClr>
+              </a:clrFrom>
+              <a:clrTo>
+                <a:srgbClr val="FFFFFF">
+                  <a:alpha val="100000"/>
+                  <a:alpha val="0"/>
+                </a:srgbClr>
+              </a:clrTo>
+            </a:clrChange>
+          </a:blip>
+          <a:stretch>
+            <a:fillRect/>
+          </a:stretch>
+        </p:blipFill>
+        <p:spPr>
+          <a:xfrm>
             <a:off x="9123045" y="4695825"/>
             <a:ext cx="2162175" cy="2162175"/>
           </a:xfrm>
@@ -4247,6 +5535,7 @@
         </p:style>
         <p:txBody>
           <a:bodyPr rtlCol="0" anchor="ctr"/>
+          <a:lstStyle/>
           <a:p>
             <a:pPr algn="ctr"/>
             <a:r>
@@ -4257,7 +5546,6 @@
               <a:rPr lang="zh-CN" altLang="en-US"/>
               <a:t>手表</a:t>
             </a:r>
-            <a:endParaRPr lang="zh-CN" altLang="en-US"/>
           </a:p>
         </p:txBody>
       </p:sp>
@@ -4292,6 +5580,7 @@
         </p:style>
         <p:txBody>
           <a:bodyPr rtlCol="0" anchor="ctr"/>
+          <a:lstStyle/>
           <a:p>
             <a:pPr algn="ctr"/>
             <a:r>
@@ -4302,7 +5591,6 @@
               <a:rPr lang="zh-CN" altLang="en-US"/>
               <a:t>微波炉</a:t>
             </a:r>
-            <a:endParaRPr lang="zh-CN" altLang="en-US"/>
           </a:p>
         </p:txBody>
       </p:sp>
@@ -4337,6 +5625,7 @@
         </p:style>
         <p:txBody>
           <a:bodyPr rtlCol="0" anchor="ctr"/>
+          <a:lstStyle/>
           <a:p>
             <a:pPr algn="ctr"/>
             <a:r>
@@ -4347,7 +5636,6 @@
               <a:rPr lang="zh-CN" altLang="en-US"/>
               <a:t>闹钟</a:t>
             </a:r>
-            <a:endParaRPr lang="zh-CN" altLang="en-US"/>
           </a:p>
         </p:txBody>
       </p:sp>
@@ -4382,17 +5670,13 @@
         </p:style>
         <p:txBody>
           <a:bodyPr rtlCol="0" anchor="ctr"/>
+          <a:lstStyle/>
           <a:p>
             <a:pPr algn="ctr"/>
             <a:r>
               <a:rPr lang="zh-CN" altLang="en-US"/>
-              <a:t>你写的</a:t>
-            </a:r>
-            <a:r>
-              <a:rPr lang="zh-CN" altLang="en-US"/>
-              <a:t>程序</a:t>
-            </a:r>
-            <a:endParaRPr lang="zh-CN" altLang="en-US"/>
+              <a:t>你写的程序</a:t>
+            </a:r>
           </a:p>
         </p:txBody>
       </p:sp>
@@ -4594,11 +5878,159 @@
           </a:fontRef>
         </p:style>
       </p:cxnSp>
+      <p:pic>
+        <p:nvPicPr>
+          <p:cNvPr id="13" name="图片 12">
+            <a:extLst>
+              <a:ext uri="{FF2B5EF4-FFF2-40B4-BE49-F238E27FC236}">
+                <a16:creationId xmlns:a16="http://schemas.microsoft.com/office/drawing/2014/main" id="{9BD492B9-38E2-CB04-626D-F9494958761F}"/>
+              </a:ext>
+            </a:extLst>
+          </p:cNvPr>
+          <p:cNvPicPr>
+            <a:picLocks noChangeAspect="1"/>
+          </p:cNvPicPr>
+          <p:nvPr/>
+        </p:nvPicPr>
+        <p:blipFill>
+          <a:blip r:embed="rId5">
+            <a:extLst>
+              <a:ext uri="{BEBA8EAE-BF5A-486C-A8C5-ECC9F3942E4B}">
+                <a14:imgProps xmlns:a14="http://schemas.microsoft.com/office/drawing/2010/main">
+                  <a14:imgLayer r:embed="rId6">
+                    <a14:imgEffect>
+                      <a14:backgroundRemoval t="10000" b="90000" l="10000" r="90000">
+                        <a14:foregroundMark x1="58073" y1="45282" x2="58073" y2="45282"/>
+                        <a14:foregroundMark x1="51354" y1="43933" x2="56667" y2="40761"/>
+                        <a14:foregroundMark x1="56667" y1="40761" x2="59583" y2="50119"/>
+                        <a14:foregroundMark x1="59583" y1="50119" x2="57969" y2="42189"/>
+                        <a14:foregroundMark x1="57969" y1="42189" x2="64427" y2="40682"/>
+                        <a14:foregroundMark x1="64427" y1="40682" x2="64479" y2="41396"/>
+                        <a14:foregroundMark x1="54688" y1="69944" x2="77031" y2="67169"/>
+                        <a14:foregroundMark x1="77031" y1="67169" x2="74010" y2="63759"/>
+                        <a14:foregroundMark x1="26615" y1="72879" x2="30104" y2="72403"/>
+                        <a14:foregroundMark x1="20833" y1="43378" x2="20104" y2="40127"/>
+                      </a14:backgroundRemoval>
+                    </a14:imgEffect>
+                  </a14:imgLayer>
+                </a14:imgProps>
+              </a:ext>
+            </a:extLst>
+          </a:blip>
+          <a:stretch>
+            <a:fillRect/>
+          </a:stretch>
+        </p:blipFill>
+        <p:spPr>
+          <a:xfrm>
+            <a:off x="2085534" y="2906395"/>
+            <a:ext cx="2982841" cy="1959043"/>
+          </a:xfrm>
+          <a:prstGeom prst="rect">
+            <a:avLst/>
+          </a:prstGeom>
+        </p:spPr>
+      </p:pic>
     </p:spTree>
   </p:cSld>
   <p:clrMapOvr>
     <a:masterClrMapping/>
   </p:clrMapOvr>
+  <mc:AlternateContent xmlns:mc="http://schemas.openxmlformats.org/markup-compatibility/2006">
+    <mc:Choice xmlns:p159="http://schemas.microsoft.com/office/powerpoint/2015/09/main" Requires="p159">
+      <p:transition xmlns:p14="http://schemas.microsoft.com/office/powerpoint/2010/main" spd="slow" p14:dur="2000">
+        <p159:morph option="byObject"/>
+      </p:transition>
+    </mc:Choice>
+    <mc:Fallback>
+      <p:transition spd="slow">
+        <p:fade/>
+      </p:transition>
+    </mc:Fallback>
+  </mc:AlternateContent>
+  <p:timing>
+    <p:tnLst>
+      <p:par>
+        <p:cTn id="1" dur="indefinite" restart="never" nodeType="tmRoot">
+          <p:childTnLst>
+            <p:seq concurrent="1" nextAc="seek">
+              <p:cTn id="2" dur="indefinite" nodeType="mainSeq">
+                <p:childTnLst>
+                  <p:par>
+                    <p:cTn id="3" fill="hold">
+                      <p:stCondLst>
+                        <p:cond delay="indefinite"/>
+                      </p:stCondLst>
+                      <p:childTnLst>
+                        <p:par>
+                          <p:cTn id="4" fill="hold">
+                            <p:stCondLst>
+                              <p:cond delay="0"/>
+                            </p:stCondLst>
+                            <p:childTnLst>
+                              <p:par>
+                                <p:cTn id="5" presetID="10" presetClass="entr" presetSubtype="0" fill="hold" nodeType="clickEffect">
+                                  <p:stCondLst>
+                                    <p:cond delay="0"/>
+                                  </p:stCondLst>
+                                  <p:childTnLst>
+                                    <p:set>
+                                      <p:cBhvr>
+                                        <p:cTn id="6" dur="1" fill="hold">
+                                          <p:stCondLst>
+                                            <p:cond delay="0"/>
+                                          </p:stCondLst>
+                                        </p:cTn>
+                                        <p:tgtEl>
+                                          <p:spTgt spid="13"/>
+                                        </p:tgtEl>
+                                        <p:attrNameLst>
+                                          <p:attrName>style.visibility</p:attrName>
+                                        </p:attrNameLst>
+                                      </p:cBhvr>
+                                      <p:to>
+                                        <p:strVal val="visible"/>
+                                      </p:to>
+                                    </p:set>
+                                    <p:animEffect transition="in" filter="fade">
+                                      <p:cBhvr>
+                                        <p:cTn id="7" dur="500"/>
+                                        <p:tgtEl>
+                                          <p:spTgt spid="13"/>
+                                        </p:tgtEl>
+                                      </p:cBhvr>
+                                    </p:animEffect>
+                                  </p:childTnLst>
+                                </p:cTn>
+                              </p:par>
+                            </p:childTnLst>
+                          </p:cTn>
+                        </p:par>
+                      </p:childTnLst>
+                    </p:cTn>
+                  </p:par>
+                </p:childTnLst>
+              </p:cTn>
+              <p:prevCondLst>
+                <p:cond evt="onPrev" delay="0">
+                  <p:tgtEl>
+                    <p:sldTgt/>
+                  </p:tgtEl>
+                </p:cond>
+              </p:prevCondLst>
+              <p:nextCondLst>
+                <p:cond evt="onNext" delay="0">
+                  <p:tgtEl>
+                    <p:sldTgt/>
+                  </p:tgtEl>
+                </p:cond>
+              </p:nextCondLst>
+            </p:seq>
+          </p:childTnLst>
+        </p:cTn>
+      </p:par>
+    </p:tnLst>
+  </p:timing>
 </p:sld>
 </file>
 
@@ -4611,7 +6043,14 @@
         <p:cNvGrpSpPr/>
         <p:nvPr/>
       </p:nvGrpSpPr>
-      <p:grpSpPr/>
+      <p:grpSpPr>
+        <a:xfrm>
+          <a:off x="0" y="0"/>
+          <a:ext cx="0" cy="0"/>
+          <a:chOff x="0" y="0"/>
+          <a:chExt cx="0" cy="0"/>
+        </a:xfrm>
+      </p:grpSpPr>
       <p:sp>
         <p:nvSpPr>
           <p:cNvPr id="4" name="文本框 3"/>
@@ -4632,6 +6071,7 @@
           <a:bodyPr wrap="square" rtlCol="0">
             <a:spAutoFit/>
           </a:bodyPr>
+          <a:lstStyle/>
           <a:p>
             <a:r>
               <a:rPr lang="en-US" altLang="zh-CN" sz="2800">
@@ -4652,22 +6092,6 @@
               </a:rPr>
               <a:t>JVM Java Virtual Machine</a:t>
             </a:r>
-            <a:endParaRPr lang="en-US" altLang="zh-CN" sz="2800">
-              <a:ln w="6600">
-                <a:solidFill>
-                  <a:schemeClr val="accent2"/>
-                </a:solidFill>
-                <a:prstDash val="solid"/>
-              </a:ln>
-              <a:solidFill>
-                <a:srgbClr val="FFFFFF"/>
-              </a:solidFill>
-              <a:effectLst>
-                <a:outerShdw dist="38100" dir="2700000" algn="tl" rotWithShape="0">
-                  <a:schemeClr val="accent2"/>
-                </a:outerShdw>
-              </a:effectLst>
-            </a:endParaRPr>
           </a:p>
         </p:txBody>
       </p:sp>
@@ -4678,7 +6102,7 @@
           <p:nvPr/>
         </p:nvPicPr>
         <p:blipFill>
-          <a:blip r:embed="rId1">
+          <a:blip r:embed="rId2">
             <a:clrChange>
               <a:clrFrom>
                 <a:srgbClr val="EEF3F9">
@@ -4718,7 +6142,7 @@
           <p:nvPr/>
         </p:nvPicPr>
         <p:blipFill>
-          <a:blip r:embed="rId2"/>
+          <a:blip r:embed="rId3"/>
           <a:stretch>
             <a:fillRect/>
           </a:stretch>
@@ -4742,6 +6166,18 @@
   <p:clrMapOvr>
     <a:masterClrMapping/>
   </p:clrMapOvr>
+  <mc:AlternateContent xmlns:mc="http://schemas.openxmlformats.org/markup-compatibility/2006">
+    <mc:Choice xmlns:p159="http://schemas.microsoft.com/office/powerpoint/2015/09/main" Requires="p159">
+      <p:transition xmlns:p14="http://schemas.microsoft.com/office/powerpoint/2010/main" spd="slow" p14:dur="2000">
+        <p159:morph option="byObject"/>
+      </p:transition>
+    </mc:Choice>
+    <mc:Fallback>
+      <p:transition spd="slow">
+        <p:fade/>
+      </p:transition>
+    </mc:Fallback>
+  </mc:AlternateContent>
 </p:sld>
 </file>
 
@@ -4754,7 +6190,14 @@
         <p:cNvGrpSpPr/>
         <p:nvPr/>
       </p:nvGrpSpPr>
-      <p:grpSpPr/>
+      <p:grpSpPr>
+        <a:xfrm>
+          <a:off x="0" y="0"/>
+          <a:ext cx="0" cy="0"/>
+          <a:chOff x="0" y="0"/>
+          <a:chExt cx="0" cy="0"/>
+        </a:xfrm>
+      </p:grpSpPr>
       <p:sp>
         <p:nvSpPr>
           <p:cNvPr id="4" name="文本框 3"/>
@@ -4775,6 +6218,7 @@
           <a:bodyPr wrap="square" rtlCol="0">
             <a:spAutoFit/>
           </a:bodyPr>
+          <a:lstStyle/>
           <a:p>
             <a:r>
               <a:rPr lang="zh-CN" altLang="en-US" sz="2800">
@@ -4795,22 +6239,6 @@
               </a:rPr>
               <a:t>安全性</a:t>
             </a:r>
-            <a:endParaRPr lang="zh-CN" altLang="en-US" sz="2800">
-              <a:ln w="6600">
-                <a:solidFill>
-                  <a:schemeClr val="accent2"/>
-                </a:solidFill>
-                <a:prstDash val="solid"/>
-              </a:ln>
-              <a:solidFill>
-                <a:srgbClr val="FFFFFF"/>
-              </a:solidFill>
-              <a:effectLst>
-                <a:outerShdw dist="38100" dir="2700000" algn="tl" rotWithShape="0">
-                  <a:schemeClr val="accent2"/>
-                </a:outerShdw>
-              </a:effectLst>
-            </a:endParaRPr>
           </a:p>
         </p:txBody>
       </p:sp>
@@ -4823,7 +6251,7 @@
           <p:nvPr/>
         </p:nvPicPr>
         <p:blipFill>
-          <a:blip r:embed="rId1"/>
+          <a:blip r:embed="rId2"/>
           <a:srcRect r="39063" b="7391"/>
           <a:stretch>
             <a:fillRect/>
@@ -4848,7 +6276,7 @@
           <p:nvPr/>
         </p:nvPicPr>
         <p:blipFill>
-          <a:blip r:embed="rId2"/>
+          <a:blip r:embed="rId3"/>
           <a:stretch>
             <a:fillRect/>
           </a:stretch>
@@ -4868,6 +6296,101 @@
   <p:clrMapOvr>
     <a:masterClrMapping/>
   </p:clrMapOvr>
+  <mc:AlternateContent xmlns:mc="http://schemas.openxmlformats.org/markup-compatibility/2006">
+    <mc:Choice xmlns:p159="http://schemas.microsoft.com/office/powerpoint/2015/09/main" Requires="p159">
+      <p:transition xmlns:p14="http://schemas.microsoft.com/office/powerpoint/2010/main" spd="slow" p14:dur="2000">
+        <p159:morph option="byObject"/>
+      </p:transition>
+    </mc:Choice>
+    <mc:Fallback>
+      <p:transition spd="slow">
+        <p:fade/>
+      </p:transition>
+    </mc:Fallback>
+  </mc:AlternateContent>
+  <p:timing>
+    <p:tnLst>
+      <p:par>
+        <p:cTn id="1" dur="indefinite" restart="never" nodeType="tmRoot">
+          <p:childTnLst>
+            <p:seq concurrent="1" nextAc="seek">
+              <p:cTn id="2" dur="indefinite" nodeType="mainSeq">
+                <p:childTnLst>
+                  <p:par>
+                    <p:cTn id="3" fill="hold">
+                      <p:stCondLst>
+                        <p:cond delay="indefinite"/>
+                      </p:stCondLst>
+                      <p:childTnLst>
+                        <p:par>
+                          <p:cTn id="4" fill="hold">
+                            <p:stCondLst>
+                              <p:cond delay="0"/>
+                            </p:stCondLst>
+                            <p:childTnLst>
+                              <p:par>
+                                <p:cTn id="5" presetID="10" presetClass="entr" presetSubtype="0" fill="hold" nodeType="clickEffect">
+                                  <p:stCondLst>
+                                    <p:cond delay="0"/>
+                                  </p:stCondLst>
+                                  <p:childTnLst>
+                                    <p:set>
+                                      <p:cBhvr>
+                                        <p:cTn id="6" dur="1" fill="hold">
+                                          <p:stCondLst>
+                                            <p:cond delay="0"/>
+                                          </p:stCondLst>
+                                        </p:cTn>
+                                        <p:tgtEl>
+                                          <p:spTgt spid="3"/>
+                                        </p:tgtEl>
+                                        <p:attrNameLst>
+                                          <p:attrName>style.visibility</p:attrName>
+                                        </p:attrNameLst>
+                                      </p:cBhvr>
+                                      <p:to>
+                                        <p:strVal val="visible"/>
+                                      </p:to>
+                                    </p:set>
+                                    <p:animEffect transition="in" filter="fade">
+                                      <p:cBhvr>
+                                        <p:cTn id="7" dur="500"/>
+                                        <p:tgtEl>
+                                          <p:spTgt spid="3"/>
+                                        </p:tgtEl>
+                                      </p:cBhvr>
+                                    </p:animEffect>
+                                  </p:childTnLst>
+                                </p:cTn>
+                              </p:par>
+                            </p:childTnLst>
+                          </p:cTn>
+                        </p:par>
+                      </p:childTnLst>
+                    </p:cTn>
+                  </p:par>
+                </p:childTnLst>
+              </p:cTn>
+              <p:prevCondLst>
+                <p:cond evt="onPrev" delay="0">
+                  <p:tgtEl>
+                    <p:sldTgt/>
+                  </p:tgtEl>
+                </p:cond>
+              </p:prevCondLst>
+              <p:nextCondLst>
+                <p:cond evt="onNext" delay="0">
+                  <p:tgtEl>
+                    <p:sldTgt/>
+                  </p:tgtEl>
+                </p:cond>
+              </p:nextCondLst>
+            </p:seq>
+          </p:childTnLst>
+        </p:cTn>
+      </p:par>
+    </p:tnLst>
+  </p:timing>
 </p:sld>
 </file>
 
@@ -4880,7 +6403,14 @@
         <p:cNvGrpSpPr/>
         <p:nvPr/>
       </p:nvGrpSpPr>
-      <p:grpSpPr/>
+      <p:grpSpPr>
+        <a:xfrm>
+          <a:off x="0" y="0"/>
+          <a:ext cx="0" cy="0"/>
+          <a:chOff x="0" y="0"/>
+          <a:chExt cx="0" cy="0"/>
+        </a:xfrm>
+      </p:grpSpPr>
       <p:sp>
         <p:nvSpPr>
           <p:cNvPr id="4" name="文本框 3"/>
@@ -4901,6 +6431,7 @@
           <a:bodyPr wrap="square" rtlCol="0">
             <a:spAutoFit/>
           </a:bodyPr>
+          <a:lstStyle/>
           <a:p>
             <a:r>
               <a:rPr lang="en-US" altLang="zh-CN" sz="2800">
@@ -4921,22 +6452,6 @@
               </a:rPr>
               <a:t>JDK/JRE</a:t>
             </a:r>
-            <a:endParaRPr lang="en-US" altLang="zh-CN" sz="2800">
-              <a:ln w="6600">
-                <a:solidFill>
-                  <a:schemeClr val="accent2"/>
-                </a:solidFill>
-                <a:prstDash val="solid"/>
-              </a:ln>
-              <a:solidFill>
-                <a:srgbClr val="FFFFFF"/>
-              </a:solidFill>
-              <a:effectLst>
-                <a:outerShdw dist="38100" dir="2700000" algn="tl" rotWithShape="0">
-                  <a:schemeClr val="accent2"/>
-                </a:outerShdw>
-              </a:effectLst>
-            </a:endParaRPr>
           </a:p>
         </p:txBody>
       </p:sp>
@@ -4963,10 +6478,11 @@
           <a:bodyPr wrap="none" rtlCol="0" anchor="t">
             <a:spAutoFit/>
           </a:bodyPr>
+          <a:lstStyle/>
           <a:p>
             <a:pPr algn="ctr"/>
             <a:r>
-              <a:rPr lang="en-US" altLang="zh-CN" sz="4000" b="1">
+              <a:rPr lang="en-US" altLang="zh-CN" sz="4000" b="1" dirty="0">
                 <a:ln/>
                 <a:solidFill>
                   <a:schemeClr val="accent1"/>
@@ -4981,24 +6497,11 @@
               </a:rPr>
               <a:t>JDK: Java Development Kit</a:t>
             </a:r>
-            <a:endParaRPr lang="en-US" altLang="zh-CN" sz="4000" b="1">
-              <a:ln/>
-              <a:solidFill>
-                <a:schemeClr val="accent1"/>
-              </a:solidFill>
-              <a:effectLst>
-                <a:outerShdw blurRad="38100" dist="25400" dir="5400000" algn="ctr" rotWithShape="0">
-                  <a:srgbClr val="6E747A">
-                    <a:alpha val="43000"/>
-                  </a:srgbClr>
-                </a:outerShdw>
-              </a:effectLst>
-            </a:endParaRPr>
           </a:p>
           <a:p>
             <a:pPr algn="ctr"/>
             <a:r>
-              <a:rPr lang="en-US" altLang="zh-CN" sz="4000" b="1">
+              <a:rPr lang="en-US" altLang="zh-CN" sz="4000" b="1" dirty="0">
                 <a:ln/>
                 <a:solidFill>
                   <a:schemeClr val="accent1"/>
@@ -5013,19 +6516,6 @@
               </a:rPr>
               <a:t>JRE: Java Runtime Essential</a:t>
             </a:r>
-            <a:endParaRPr lang="en-US" altLang="zh-CN" sz="4000" b="1">
-              <a:ln/>
-              <a:solidFill>
-                <a:schemeClr val="accent1"/>
-              </a:solidFill>
-              <a:effectLst>
-                <a:outerShdw blurRad="38100" dist="25400" dir="5400000" algn="ctr" rotWithShape="0">
-                  <a:srgbClr val="6E747A">
-                    <a:alpha val="43000"/>
-                  </a:srgbClr>
-                </a:outerShdw>
-              </a:effectLst>
-            </a:endParaRPr>
           </a:p>
         </p:txBody>
       </p:sp>
@@ -5060,6 +6550,7 @@
         </p:style>
         <p:txBody>
           <a:bodyPr rtlCol="0" anchor="ctr"/>
+          <a:lstStyle/>
           <a:p>
             <a:pPr algn="ctr"/>
             <a:endParaRPr lang="zh-CN" altLang="en-US"/>
@@ -5097,6 +6588,7 @@
         </p:style>
         <p:txBody>
           <a:bodyPr rtlCol="0" anchor="ctr"/>
+          <a:lstStyle/>
           <a:p>
             <a:pPr algn="ctr"/>
             <a:endParaRPr lang="en-US" altLang="zh-CN"/>
@@ -5126,10 +6618,11 @@
           <a:bodyPr wrap="none" rtlCol="0" anchor="t">
             <a:spAutoFit/>
           </a:bodyPr>
+          <a:lstStyle/>
           <a:p>
             <a:pPr algn="ctr"/>
             <a:r>
-              <a:rPr lang="en-US" altLang="zh-CN" sz="2800" b="1">
+              <a:rPr lang="en-US" altLang="zh-CN" sz="2800" b="1" dirty="0">
                 <a:ln/>
                 <a:solidFill>
                   <a:schemeClr val="tx1"/>
@@ -5144,19 +6637,6 @@
               </a:rPr>
               <a:t>JDK</a:t>
             </a:r>
-            <a:endParaRPr lang="en-US" altLang="zh-CN" sz="2800" b="1">
-              <a:ln/>
-              <a:solidFill>
-                <a:schemeClr val="tx1"/>
-              </a:solidFill>
-              <a:effectLst>
-                <a:outerShdw blurRad="38100" dist="19050" dir="2700000" algn="tl" rotWithShape="0">
-                  <a:schemeClr val="dk1">
-                    <a:alpha val="40000"/>
-                  </a:schemeClr>
-                </a:outerShdw>
-              </a:effectLst>
-            </a:endParaRPr>
           </a:p>
         </p:txBody>
       </p:sp>
@@ -5183,10 +6663,11 @@
           <a:bodyPr wrap="none" rtlCol="0" anchor="t">
             <a:spAutoFit/>
           </a:bodyPr>
+          <a:lstStyle/>
           <a:p>
             <a:pPr algn="ctr"/>
             <a:r>
-              <a:rPr lang="en-US" altLang="zh-CN" sz="2800" b="1">
+              <a:rPr lang="en-US" altLang="zh-CN" sz="2800" b="1" dirty="0">
                 <a:solidFill>
                   <a:schemeClr val="tx1"/>
                 </a:solidFill>
@@ -5200,18 +6681,6 @@
               </a:rPr>
               <a:t>JRE</a:t>
             </a:r>
-            <a:endParaRPr lang="en-US" altLang="zh-CN" sz="2800" b="1">
-              <a:solidFill>
-                <a:schemeClr val="tx1"/>
-              </a:solidFill>
-              <a:effectLst>
-                <a:outerShdw blurRad="38100" dist="19050" dir="2700000" algn="tl" rotWithShape="0">
-                  <a:schemeClr val="dk1">
-                    <a:alpha val="40000"/>
-                  </a:schemeClr>
-                </a:outerShdw>
-              </a:effectLst>
-            </a:endParaRPr>
           </a:p>
         </p:txBody>
       </p:sp>
@@ -5246,13 +6715,13 @@
         </p:style>
         <p:txBody>
           <a:bodyPr rtlCol="0" anchor="ctr"/>
+          <a:lstStyle/>
           <a:p>
             <a:pPr algn="ctr"/>
             <a:r>
-              <a:rPr lang="en-US" altLang="zh-CN"/>
+              <a:rPr lang="en-US" altLang="zh-CN" dirty="0"/>
               <a:t>JVM</a:t>
             </a:r>
-            <a:endParaRPr lang="en-US" altLang="zh-CN"/>
           </a:p>
         </p:txBody>
       </p:sp>
@@ -5287,17 +6756,13 @@
         </p:style>
         <p:txBody>
           <a:bodyPr rtlCol="0" anchor="ctr"/>
+          <a:lstStyle/>
           <a:p>
             <a:pPr algn="ctr"/>
             <a:r>
-              <a:rPr lang="zh-CN" altLang="en-US"/>
-              <a:t>调试</a:t>
-            </a:r>
-            <a:r>
-              <a:rPr lang="zh-CN" altLang="en-US"/>
-              <a:t>工具</a:t>
-            </a:r>
-            <a:endParaRPr lang="zh-CN" altLang="en-US"/>
+              <a:rPr lang="zh-CN" altLang="en-US" dirty="0"/>
+              <a:t>调试工具</a:t>
+            </a:r>
           </a:p>
         </p:txBody>
       </p:sp>
@@ -5306,12 +6771,254 @@
   <p:clrMapOvr>
     <a:masterClrMapping/>
   </p:clrMapOvr>
+  <mc:AlternateContent xmlns:mc="http://schemas.openxmlformats.org/markup-compatibility/2006">
+    <mc:Choice xmlns:p159="http://schemas.microsoft.com/office/powerpoint/2015/09/main" Requires="p159">
+      <p:transition xmlns:p14="http://schemas.microsoft.com/office/powerpoint/2010/main" spd="slow" p14:dur="2000">
+        <p159:morph option="byObject"/>
+      </p:transition>
+    </mc:Choice>
+    <mc:Fallback>
+      <p:transition spd="slow">
+        <p:fade/>
+      </p:transition>
+    </mc:Fallback>
+  </mc:AlternateContent>
+  <p:timing>
+    <p:tnLst>
+      <p:par>
+        <p:cTn id="1" dur="indefinite" restart="never" nodeType="tmRoot">
+          <p:childTnLst>
+            <p:seq concurrent="1" nextAc="seek">
+              <p:cTn id="2" dur="indefinite" nodeType="mainSeq">
+                <p:childTnLst>
+                  <p:par>
+                    <p:cTn id="3" fill="hold">
+                      <p:stCondLst>
+                        <p:cond delay="indefinite"/>
+                      </p:stCondLst>
+                      <p:childTnLst>
+                        <p:par>
+                          <p:cTn id="4" fill="hold">
+                            <p:stCondLst>
+                              <p:cond delay="0"/>
+                            </p:stCondLst>
+                            <p:childTnLst>
+                              <p:par>
+                                <p:cTn id="5" presetID="10" presetClass="entr" presetSubtype="0" fill="hold" grpId="0" nodeType="clickEffect">
+                                  <p:stCondLst>
+                                    <p:cond delay="0"/>
+                                  </p:stCondLst>
+                                  <p:childTnLst>
+                                    <p:set>
+                                      <p:cBhvr>
+                                        <p:cTn id="6" dur="1" fill="hold">
+                                          <p:stCondLst>
+                                            <p:cond delay="0"/>
+                                          </p:stCondLst>
+                                        </p:cTn>
+                                        <p:tgtEl>
+                                          <p:spTgt spid="8"/>
+                                        </p:tgtEl>
+                                        <p:attrNameLst>
+                                          <p:attrName>style.visibility</p:attrName>
+                                        </p:attrNameLst>
+                                      </p:cBhvr>
+                                      <p:to>
+                                        <p:strVal val="visible"/>
+                                      </p:to>
+                                    </p:set>
+                                    <p:animEffect transition="in" filter="fade">
+                                      <p:cBhvr>
+                                        <p:cTn id="7" dur="500"/>
+                                        <p:tgtEl>
+                                          <p:spTgt spid="8"/>
+                                        </p:tgtEl>
+                                      </p:cBhvr>
+                                    </p:animEffect>
+                                  </p:childTnLst>
+                                </p:cTn>
+                              </p:par>
+                              <p:par>
+                                <p:cTn id="8" presetID="10" presetClass="entr" presetSubtype="0" fill="hold" grpId="0" nodeType="withEffect">
+                                  <p:stCondLst>
+                                    <p:cond delay="0"/>
+                                  </p:stCondLst>
+                                  <p:childTnLst>
+                                    <p:set>
+                                      <p:cBhvr>
+                                        <p:cTn id="9" dur="1" fill="hold">
+                                          <p:stCondLst>
+                                            <p:cond delay="0"/>
+                                          </p:stCondLst>
+                                        </p:cTn>
+                                        <p:tgtEl>
+                                          <p:spTgt spid="9"/>
+                                        </p:tgtEl>
+                                        <p:attrNameLst>
+                                          <p:attrName>style.visibility</p:attrName>
+                                        </p:attrNameLst>
+                                      </p:cBhvr>
+                                      <p:to>
+                                        <p:strVal val="visible"/>
+                                      </p:to>
+                                    </p:set>
+                                    <p:animEffect transition="in" filter="fade">
+                                      <p:cBhvr>
+                                        <p:cTn id="10" dur="500"/>
+                                        <p:tgtEl>
+                                          <p:spTgt spid="9"/>
+                                        </p:tgtEl>
+                                      </p:cBhvr>
+                                    </p:animEffect>
+                                  </p:childTnLst>
+                                </p:cTn>
+                              </p:par>
+                            </p:childTnLst>
+                          </p:cTn>
+                        </p:par>
+                      </p:childTnLst>
+                    </p:cTn>
+                  </p:par>
+                  <p:par>
+                    <p:cTn id="11" fill="hold">
+                      <p:stCondLst>
+                        <p:cond delay="indefinite"/>
+                      </p:stCondLst>
+                      <p:childTnLst>
+                        <p:par>
+                          <p:cTn id="12" fill="hold">
+                            <p:stCondLst>
+                              <p:cond delay="0"/>
+                            </p:stCondLst>
+                            <p:childTnLst>
+                              <p:par>
+                                <p:cTn id="13" presetID="10" presetClass="entr" presetSubtype="0" fill="hold" grpId="0" nodeType="clickEffect">
+                                  <p:stCondLst>
+                                    <p:cond delay="0"/>
+                                  </p:stCondLst>
+                                  <p:childTnLst>
+                                    <p:set>
+                                      <p:cBhvr>
+                                        <p:cTn id="14" dur="1" fill="hold">
+                                          <p:stCondLst>
+                                            <p:cond delay="0"/>
+                                          </p:stCondLst>
+                                        </p:cTn>
+                                        <p:tgtEl>
+                                          <p:spTgt spid="10"/>
+                                        </p:tgtEl>
+                                        <p:attrNameLst>
+                                          <p:attrName>style.visibility</p:attrName>
+                                        </p:attrNameLst>
+                                      </p:cBhvr>
+                                      <p:to>
+                                        <p:strVal val="visible"/>
+                                      </p:to>
+                                    </p:set>
+                                    <p:animEffect transition="in" filter="fade">
+                                      <p:cBhvr>
+                                        <p:cTn id="15" dur="500"/>
+                                        <p:tgtEl>
+                                          <p:spTgt spid="10"/>
+                                        </p:tgtEl>
+                                      </p:cBhvr>
+                                    </p:animEffect>
+                                  </p:childTnLst>
+                                </p:cTn>
+                              </p:par>
+                            </p:childTnLst>
+                          </p:cTn>
+                        </p:par>
+                      </p:childTnLst>
+                    </p:cTn>
+                  </p:par>
+                  <p:par>
+                    <p:cTn id="16" fill="hold">
+                      <p:stCondLst>
+                        <p:cond delay="indefinite"/>
+                      </p:stCondLst>
+                      <p:childTnLst>
+                        <p:par>
+                          <p:cTn id="17" fill="hold">
+                            <p:stCondLst>
+                              <p:cond delay="0"/>
+                            </p:stCondLst>
+                            <p:childTnLst>
+                              <p:par>
+                                <p:cTn id="18" presetID="10" presetClass="entr" presetSubtype="0" fill="hold" grpId="0" nodeType="clickEffect">
+                                  <p:stCondLst>
+                                    <p:cond delay="0"/>
+                                  </p:stCondLst>
+                                  <p:childTnLst>
+                                    <p:set>
+                                      <p:cBhvr>
+                                        <p:cTn id="19" dur="1" fill="hold">
+                                          <p:stCondLst>
+                                            <p:cond delay="0"/>
+                                          </p:stCondLst>
+                                        </p:cTn>
+                                        <p:tgtEl>
+                                          <p:spTgt spid="11"/>
+                                        </p:tgtEl>
+                                        <p:attrNameLst>
+                                          <p:attrName>style.visibility</p:attrName>
+                                        </p:attrNameLst>
+                                      </p:cBhvr>
+                                      <p:to>
+                                        <p:strVal val="visible"/>
+                                      </p:to>
+                                    </p:set>
+                                    <p:animEffect transition="in" filter="fade">
+                                      <p:cBhvr>
+                                        <p:cTn id="20" dur="500"/>
+                                        <p:tgtEl>
+                                          <p:spTgt spid="11"/>
+                                        </p:tgtEl>
+                                      </p:cBhvr>
+                                    </p:animEffect>
+                                  </p:childTnLst>
+                                </p:cTn>
+                              </p:par>
+                            </p:childTnLst>
+                          </p:cTn>
+                        </p:par>
+                      </p:childTnLst>
+                    </p:cTn>
+                  </p:par>
+                </p:childTnLst>
+              </p:cTn>
+              <p:prevCondLst>
+                <p:cond evt="onPrev" delay="0">
+                  <p:tgtEl>
+                    <p:sldTgt/>
+                  </p:tgtEl>
+                </p:cond>
+              </p:prevCondLst>
+              <p:nextCondLst>
+                <p:cond evt="onNext" delay="0">
+                  <p:tgtEl>
+                    <p:sldTgt/>
+                  </p:tgtEl>
+                </p:cond>
+              </p:nextCondLst>
+            </p:seq>
+          </p:childTnLst>
+        </p:cTn>
+      </p:par>
+    </p:tnLst>
+    <p:bldLst>
+      <p:bldP spid="8" grpId="0"/>
+      <p:bldP spid="9" grpId="0"/>
+      <p:bldP spid="10" grpId="0" animBg="1"/>
+      <p:bldP spid="11" grpId="0" animBg="1"/>
+    </p:bldLst>
+  </p:timing>
 </p:sld>
 </file>
 
 <file path=ppt/tags/tag1.xml><?xml version="1.0" encoding="utf-8"?>
-<p:tagLst xmlns:p="http://schemas.openxmlformats.org/presentationml/2006/main">
-  <p:tag name="commondata" val="eyJoZGlkIjoiZDI2YzA5MDc3YjFmNzMxNzIwYWRhOWJhM2Y3MzgwMjYifQ=="/>
+<p:tagLst xmlns:a="http://schemas.openxmlformats.org/drawingml/2006/main" xmlns:r="http://schemas.openxmlformats.org/officeDocument/2006/relationships" xmlns:p="http://schemas.openxmlformats.org/presentationml/2006/main">
+  <p:tag name="COMMONDATA" val="eyJoZGlkIjoiZDI2YzA5MDc3YjFmNzMxNzIwYWRhOWJhM2Y3MzgwMjYifQ=="/>
 </p:tagLst>
 </file>
 
@@ -5558,6 +7265,8 @@
       </a:bgFillStyleLst>
     </a:fmtScheme>
   </a:themeElements>
+  <a:objectDefaults/>
+  <a:extraClrSchemeLst/>
   <a:extLst>
     <a:ext uri="{05A4C25C-085E-4340-85A3-A5531E510DB2}">
       <thm15:themeFamily xmlns:thm15="http://schemas.microsoft.com/office/thememl/2012/main" name="Office Theme" id="{62F939B6-93AF-4DB8-9C6B-D6C7DFDC589F}" vid="{4A3C46E8-61CC-4603-A589-7422A47A8E4A}"/>
